--- a/ApplicationProvisioningDscOctopusDeploy.pptx
+++ b/ApplicationProvisioningDscOctopusDeploy.pptx
@@ -5,23 +5,17 @@
     <p:sldMasterId id="2147483668" r:id="rId1"/>
   </p:sldMasterIdLst>
   <p:notesMasterIdLst>
-    <p:notesMasterId r:id="rId16"/>
+    <p:notesMasterId r:id="rId10"/>
   </p:notesMasterIdLst>
   <p:sldIdLst>
-    <p:sldId id="258" r:id="rId2"/>
-    <p:sldId id="259" r:id="rId3"/>
-    <p:sldId id="260" r:id="rId4"/>
-    <p:sldId id="261" r:id="rId5"/>
-    <p:sldId id="263" r:id="rId6"/>
-    <p:sldId id="262" r:id="rId7"/>
-    <p:sldId id="257" r:id="rId8"/>
-    <p:sldId id="265" r:id="rId9"/>
-    <p:sldId id="266" r:id="rId10"/>
-    <p:sldId id="268" r:id="rId11"/>
-    <p:sldId id="269" r:id="rId12"/>
-    <p:sldId id="270" r:id="rId13"/>
-    <p:sldId id="273" r:id="rId14"/>
-    <p:sldId id="264" r:id="rId15"/>
+    <p:sldId id="257" r:id="rId2"/>
+    <p:sldId id="265" r:id="rId3"/>
+    <p:sldId id="266" r:id="rId4"/>
+    <p:sldId id="268" r:id="rId5"/>
+    <p:sldId id="269" r:id="rId6"/>
+    <p:sldId id="270" r:id="rId7"/>
+    <p:sldId id="273" r:id="rId8"/>
+    <p:sldId id="264" r:id="rId9"/>
   </p:sldIdLst>
   <p:sldSz cx="12192000" cy="6858000"/>
   <p:notesSz cx="6858000" cy="9144000"/>
@@ -124,14 +118,7 @@
     <p:ext uri="{521415D9-36F7-43E2-AB2F-B90AF26B5E84}">
       <p14:sectionLst xmlns:p14="http://schemas.microsoft.com/office/powerpoint/2010/main">
         <p14:section name="Design Notes" id="{8B995469-BB0B-2D41-B3AD-40FEA49126C5}">
-          <p14:sldIdLst>
-            <p14:sldId id="258"/>
-            <p14:sldId id="259"/>
-            <p14:sldId id="260"/>
-            <p14:sldId id="261"/>
-            <p14:sldId id="263"/>
-            <p14:sldId id="262"/>
-          </p14:sldIdLst>
+          <p14:sldIdLst/>
         </p14:section>
         <p14:section name="Your Presentation" id="{A8D7B0BD-02B5-F641-8106-1F81A10ED379}">
           <p14:sldIdLst>
@@ -588,7 +575,7 @@
           <a:p>
             <a:fld id="{8F290121-D82D-477A-981A-7BB62A511EFD}" type="slidenum">
               <a:rPr lang="en-US" smtClean="0"/>
-              <a:t>8</a:t>
+              <a:t>2</a:t>
             </a:fld>
             <a:endParaRPr lang="en-US"/>
           </a:p>
@@ -675,7 +662,7 @@
           <a:p>
             <a:fld id="{8F290121-D82D-477A-981A-7BB62A511EFD}" type="slidenum">
               <a:rPr lang="en-US" smtClean="0"/>
-              <a:t>9</a:t>
+              <a:t>3</a:t>
             </a:fld>
             <a:endParaRPr lang="en-US"/>
           </a:p>
@@ -817,7 +804,7 @@
           <a:p>
             <a:fld id="{8F290121-D82D-477A-981A-7BB62A511EFD}" type="slidenum">
               <a:rPr lang="en-US" smtClean="0"/>
-              <a:t>10</a:t>
+              <a:t>4</a:t>
             </a:fld>
             <a:endParaRPr lang="en-US"/>
           </a:p>
@@ -901,7 +888,7 @@
           <a:p>
             <a:fld id="{8F290121-D82D-477A-981A-7BB62A511EFD}" type="slidenum">
               <a:rPr lang="en-US" smtClean="0"/>
-              <a:t>11</a:t>
+              <a:t>5</a:t>
             </a:fld>
             <a:endParaRPr lang="en-US"/>
           </a:p>
@@ -1043,7 +1030,7 @@
           <a:p>
             <a:fld id="{8F290121-D82D-477A-981A-7BB62A511EFD}" type="slidenum">
               <a:rPr lang="en-US" smtClean="0"/>
-              <a:t>13</a:t>
+              <a:t>7</a:t>
             </a:fld>
             <a:endParaRPr lang="en-US"/>
           </a:p>
@@ -4073,7 +4060,7 @@
 </file>
 
 <file path=ppt/slides/slide1.xml><?xml version="1.0" encoding="utf-8"?>
-<p:sld xmlns:a="http://schemas.openxmlformats.org/drawingml/2006/main" xmlns:r="http://schemas.openxmlformats.org/officeDocument/2006/relationships" xmlns:p="http://schemas.openxmlformats.org/presentationml/2006/main" show="0">
+<p:sld xmlns:a="http://schemas.openxmlformats.org/drawingml/2006/main" xmlns:r="http://schemas.openxmlformats.org/officeDocument/2006/relationships" xmlns:p="http://schemas.openxmlformats.org/presentationml/2006/main">
   <p:cSld>
     <p:spTree>
       <p:nvGrpSpPr>
@@ -4091,64 +4078,73 @@
       </p:grpSpPr>
       <p:sp>
         <p:nvSpPr>
-          <p:cNvPr id="2" name="Title 1"/>
-          <p:cNvSpPr>
-            <a:spLocks noGrp="1"/>
-          </p:cNvSpPr>
-          <p:nvPr>
-            <p:ph type="title"/>
+          <p:cNvPr id="4" name="Title 3"/>
+          <p:cNvSpPr>
+            <a:spLocks noGrp="1"/>
+          </p:cNvSpPr>
+          <p:nvPr>
+            <p:ph type="ctrTitle"/>
+          </p:nvPr>
+        </p:nvSpPr>
+        <p:spPr>
+          <a:xfrm>
+            <a:off x="1352365" y="1317672"/>
+            <a:ext cx="9487270" cy="2387600"/>
+          </a:xfrm>
+        </p:spPr>
+        <p:txBody>
+          <a:bodyPr>
+            <a:normAutofit fontScale="90000"/>
+          </a:bodyPr>
+          <a:lstStyle/>
+          <a:p>
+            <a:r>
+              <a:rPr lang="en-US" dirty="0"/>
+              <a:t>Application Provisioning with DSC</a:t>
+            </a:r>
+            <a:br>
+              <a:rPr lang="en-US" dirty="0"/>
+            </a:br>
+            <a:r>
+              <a:rPr lang="en-US" dirty="0"/>
+              <a:t>and Octopus Deploy</a:t>
+            </a:r>
+          </a:p>
+        </p:txBody>
+      </p:sp>
+      <p:sp>
+        <p:nvSpPr>
+          <p:cNvPr id="3" name="Subtitle 2">
+            <a:extLst>
+              <a:ext uri="{FF2B5EF4-FFF2-40B4-BE49-F238E27FC236}">
+                <a16:creationId xmlns:a16="http://schemas.microsoft.com/office/drawing/2014/main" id="{AFEFCA59-C067-4FE1-8161-3FB78A71DF7A}"/>
+              </a:ext>
+            </a:extLst>
+          </p:cNvPr>
+          <p:cNvSpPr>
+            <a:spLocks noGrp="1"/>
+          </p:cNvSpPr>
+          <p:nvPr>
+            <p:ph type="subTitle" idx="1"/>
           </p:nvPr>
         </p:nvSpPr>
         <p:spPr/>
         <p:txBody>
-          <a:bodyPr/>
+          <a:bodyPr>
+            <a:normAutofit/>
+          </a:bodyPr>
           <a:lstStyle/>
           <a:p>
             <a:r>
-              <a:rPr lang="en-US" dirty="0"/>
-              <a:t>Sharing</a:t>
-            </a:r>
-          </a:p>
-        </p:txBody>
-      </p:sp>
-      <p:sp>
-        <p:nvSpPr>
-          <p:cNvPr id="3" name="Content Placeholder 2"/>
-          <p:cNvSpPr>
-            <a:spLocks noGrp="1"/>
-          </p:cNvSpPr>
-          <p:nvPr>
-            <p:ph sz="quarter" idx="13"/>
-          </p:nvPr>
-        </p:nvSpPr>
-        <p:spPr/>
-        <p:txBody>
-          <a:bodyPr/>
-          <a:lstStyle/>
-          <a:p>
-            <a:r>
-              <a:rPr lang="en-US" dirty="0"/>
-              <a:t>You are responsible for sharing your deck, your code, or anything else you like.</a:t>
-            </a:r>
-          </a:p>
-          <a:p>
-            <a:r>
-              <a:rPr lang="en-US" dirty="0"/>
-              <a:t>You can use </a:t>
-            </a:r>
-            <a:r>
-              <a:rPr lang="en-US" dirty="0" err="1"/>
-              <a:t>Sched.com</a:t>
-            </a:r>
-            <a:r>
-              <a:rPr lang="en-US" dirty="0"/>
-              <a:t>, or you can use another location. It’s entirely up to you.</a:t>
-            </a:r>
-          </a:p>
-          <a:p>
-            <a:r>
-              <a:rPr lang="en-US" dirty="0"/>
-              <a:t>We suggest including a shortened URL at the end of the presentation.</a:t>
+              <a:rPr lang="en-US" sz="2000" i="1" dirty="0"/>
+              <a:t>A world where developers </a:t>
+            </a:r>
+            <a:br>
+              <a:rPr lang="en-US" sz="2000" i="1" dirty="0"/>
+            </a:br>
+            <a:r>
+              <a:rPr lang="en-US" sz="2000" i="1" dirty="0"/>
+              <a:t>manage their configs</a:t>
             </a:r>
           </a:p>
         </p:txBody>
@@ -4156,7 +4152,7 @@
     </p:spTree>
     <p:extLst>
       <p:ext uri="{BB962C8B-B14F-4D97-AF65-F5344CB8AC3E}">
-        <p14:creationId xmlns:p14="http://schemas.microsoft.com/office/powerpoint/2010/main" val="1494474433"/>
+        <p14:creationId xmlns:p14="http://schemas.microsoft.com/office/powerpoint/2010/main" val="595910384"/>
       </p:ext>
     </p:extLst>
   </p:cSld>
@@ -4166,7 +4162,854 @@
 </p:sld>
 </file>
 
-<file path=ppt/slides/slide10.xml><?xml version="1.0" encoding="utf-8"?>
+<file path=ppt/slides/slide2.xml><?xml version="1.0" encoding="utf-8"?>
+<p:sld xmlns:a="http://schemas.openxmlformats.org/drawingml/2006/main" xmlns:r="http://schemas.openxmlformats.org/officeDocument/2006/relationships" xmlns:p="http://schemas.openxmlformats.org/presentationml/2006/main">
+  <p:cSld>
+    <p:spTree>
+      <p:nvGrpSpPr>
+        <p:cNvPr id="1" name=""/>
+        <p:cNvGrpSpPr/>
+        <p:nvPr/>
+      </p:nvGrpSpPr>
+      <p:grpSpPr>
+        <a:xfrm>
+          <a:off x="0" y="0"/>
+          <a:ext cx="0" cy="0"/>
+          <a:chOff x="0" y="0"/>
+          <a:chExt cx="0" cy="0"/>
+        </a:xfrm>
+      </p:grpSpPr>
+      <p:sp>
+        <p:nvSpPr>
+          <p:cNvPr id="5" name="Title 2">
+            <a:extLst>
+              <a:ext uri="{FF2B5EF4-FFF2-40B4-BE49-F238E27FC236}">
+                <a16:creationId xmlns:a16="http://schemas.microsoft.com/office/drawing/2014/main" id="{85251990-9EE0-46E8-8444-95FD8084722D}"/>
+              </a:ext>
+            </a:extLst>
+          </p:cNvPr>
+          <p:cNvSpPr txBox="1">
+            <a:spLocks/>
+          </p:cNvSpPr>
+          <p:nvPr/>
+        </p:nvSpPr>
+        <p:spPr>
+          <a:xfrm>
+            <a:off x="4412204" y="1030434"/>
+            <a:ext cx="3728620" cy="1091330"/>
+          </a:xfrm>
+          <a:prstGeom prst="rect">
+            <a:avLst/>
+          </a:prstGeom>
+        </p:spPr>
+        <p:txBody>
+          <a:bodyPr vert="horz" lIns="91440" tIns="45720" rIns="91440" bIns="45720" rtlCol="0" anchor="ctr">
+            <a:normAutofit/>
+          </a:bodyPr>
+          <a:lstStyle>
+            <a:lvl1pPr algn="l" defTabSz="914400" rtl="0" eaLnBrk="1" latinLnBrk="0" hangingPunct="1">
+              <a:lnSpc>
+                <a:spcPct val="90000"/>
+              </a:lnSpc>
+              <a:spcBef>
+                <a:spcPct val="0"/>
+              </a:spcBef>
+              <a:buNone/>
+              <a:defRPr sz="4400" kern="1200">
+                <a:solidFill>
+                  <a:schemeClr val="tx1"/>
+                </a:solidFill>
+                <a:latin typeface="+mj-lt"/>
+                <a:ea typeface="+mj-ea"/>
+                <a:cs typeface="+mj-cs"/>
+              </a:defRPr>
+            </a:lvl1pPr>
+          </a:lstStyle>
+          <a:p>
+            <a:r>
+              <a:rPr lang="en-US" sz="4800" dirty="0"/>
+              <a:t>Why?</a:t>
+            </a:r>
+          </a:p>
+        </p:txBody>
+      </p:sp>
+      <p:sp>
+        <p:nvSpPr>
+          <p:cNvPr id="10" name="Text Placeholder 1">
+            <a:extLst>
+              <a:ext uri="{FF2B5EF4-FFF2-40B4-BE49-F238E27FC236}">
+                <a16:creationId xmlns:a16="http://schemas.microsoft.com/office/drawing/2014/main" id="{0F4E6CAA-C046-40C9-8539-ECCD40AC55FE}"/>
+              </a:ext>
+            </a:extLst>
+          </p:cNvPr>
+          <p:cNvSpPr txBox="1">
+            <a:spLocks/>
+          </p:cNvSpPr>
+          <p:nvPr/>
+        </p:nvSpPr>
+        <p:spPr>
+          <a:xfrm>
+            <a:off x="4412204" y="1832819"/>
+            <a:ext cx="6169978" cy="2833970"/>
+          </a:xfrm>
+          <a:prstGeom prst="rect">
+            <a:avLst/>
+          </a:prstGeom>
+        </p:spPr>
+        <p:txBody>
+          <a:bodyPr vert="horz" lIns="91440" tIns="45720" rIns="91440" bIns="45720" rtlCol="0" anchor="ctr"/>
+          <a:lstStyle>
+            <a:defPPr>
+              <a:defRPr lang="en-US"/>
+            </a:defPPr>
+            <a:lvl1pPr marL="0" algn="l" defTabSz="457200" rtl="0" eaLnBrk="1" latinLnBrk="0" hangingPunct="1">
+              <a:defRPr sz="1200" kern="1200">
+                <a:solidFill>
+                  <a:schemeClr val="tx1">
+                    <a:tint val="75000"/>
+                  </a:schemeClr>
+                </a:solidFill>
+                <a:latin typeface="+mn-lt"/>
+                <a:ea typeface="+mn-ea"/>
+                <a:cs typeface="+mn-cs"/>
+              </a:defRPr>
+            </a:lvl1pPr>
+            <a:lvl2pPr marL="457200" algn="l" defTabSz="457200" rtl="0" eaLnBrk="1" latinLnBrk="0" hangingPunct="1">
+              <a:defRPr sz="1800" kern="1200">
+                <a:solidFill>
+                  <a:schemeClr val="tx1"/>
+                </a:solidFill>
+                <a:latin typeface="+mn-lt"/>
+                <a:ea typeface="+mn-ea"/>
+                <a:cs typeface="+mn-cs"/>
+              </a:defRPr>
+            </a:lvl2pPr>
+            <a:lvl3pPr marL="914400" algn="l" defTabSz="457200" rtl="0" eaLnBrk="1" latinLnBrk="0" hangingPunct="1">
+              <a:defRPr sz="1800" kern="1200">
+                <a:solidFill>
+                  <a:schemeClr val="tx1"/>
+                </a:solidFill>
+                <a:latin typeface="+mn-lt"/>
+                <a:ea typeface="+mn-ea"/>
+                <a:cs typeface="+mn-cs"/>
+              </a:defRPr>
+            </a:lvl3pPr>
+            <a:lvl4pPr marL="1371600" algn="l" defTabSz="457200" rtl="0" eaLnBrk="1" latinLnBrk="0" hangingPunct="1">
+              <a:defRPr sz="1800" kern="1200">
+                <a:solidFill>
+                  <a:schemeClr val="tx1"/>
+                </a:solidFill>
+                <a:latin typeface="+mn-lt"/>
+                <a:ea typeface="+mn-ea"/>
+                <a:cs typeface="+mn-cs"/>
+              </a:defRPr>
+            </a:lvl4pPr>
+            <a:lvl5pPr marL="1828800" algn="l" defTabSz="457200" rtl="0" eaLnBrk="1" latinLnBrk="0" hangingPunct="1">
+              <a:defRPr sz="1800" kern="1200">
+                <a:solidFill>
+                  <a:schemeClr val="tx1"/>
+                </a:solidFill>
+                <a:latin typeface="+mn-lt"/>
+                <a:ea typeface="+mn-ea"/>
+                <a:cs typeface="+mn-cs"/>
+              </a:defRPr>
+            </a:lvl5pPr>
+            <a:lvl6pPr marL="2286000" algn="l" defTabSz="457200" rtl="0" eaLnBrk="1" latinLnBrk="0" hangingPunct="1">
+              <a:defRPr sz="1800" kern="1200">
+                <a:solidFill>
+                  <a:schemeClr val="tx1"/>
+                </a:solidFill>
+                <a:latin typeface="+mn-lt"/>
+                <a:ea typeface="+mn-ea"/>
+                <a:cs typeface="+mn-cs"/>
+              </a:defRPr>
+            </a:lvl6pPr>
+            <a:lvl7pPr marL="2743200" algn="l" defTabSz="457200" rtl="0" eaLnBrk="1" latinLnBrk="0" hangingPunct="1">
+              <a:defRPr sz="1800" kern="1200">
+                <a:solidFill>
+                  <a:schemeClr val="tx1"/>
+                </a:solidFill>
+                <a:latin typeface="+mn-lt"/>
+                <a:ea typeface="+mn-ea"/>
+                <a:cs typeface="+mn-cs"/>
+              </a:defRPr>
+            </a:lvl7pPr>
+            <a:lvl8pPr marL="3200400" algn="l" defTabSz="457200" rtl="0" eaLnBrk="1" latinLnBrk="0" hangingPunct="1">
+              <a:defRPr sz="1800" kern="1200">
+                <a:solidFill>
+                  <a:schemeClr val="tx1"/>
+                </a:solidFill>
+                <a:latin typeface="+mn-lt"/>
+                <a:ea typeface="+mn-ea"/>
+                <a:cs typeface="+mn-cs"/>
+              </a:defRPr>
+            </a:lvl8pPr>
+            <a:lvl9pPr marL="3657600" algn="l" defTabSz="457200" rtl="0" eaLnBrk="1" latinLnBrk="0" hangingPunct="1">
+              <a:defRPr sz="1800" kern="1200">
+                <a:solidFill>
+                  <a:schemeClr val="tx1"/>
+                </a:solidFill>
+                <a:latin typeface="+mn-lt"/>
+                <a:ea typeface="+mn-ea"/>
+                <a:cs typeface="+mn-cs"/>
+              </a:defRPr>
+            </a:lvl9pPr>
+          </a:lstStyle>
+          <a:p>
+            <a:r>
+              <a:rPr lang="en-US" sz="2800" i="1" dirty="0">
+                <a:solidFill>
+                  <a:schemeClr val="tx1"/>
+                </a:solidFill>
+              </a:rPr>
+              <a:t>Inconsistent IIS application provisioning, long lead times, several hand offs, poor communication, almost no visibility</a:t>
+            </a:r>
+          </a:p>
+          <a:p>
+            <a:endParaRPr lang="en-US" sz="2800" i="1" dirty="0">
+              <a:solidFill>
+                <a:schemeClr val="tx1"/>
+              </a:solidFill>
+            </a:endParaRPr>
+          </a:p>
+        </p:txBody>
+      </p:sp>
+    </p:spTree>
+    <p:extLst>
+      <p:ext uri="{BB962C8B-B14F-4D97-AF65-F5344CB8AC3E}">
+        <p14:creationId xmlns:p14="http://schemas.microsoft.com/office/powerpoint/2010/main" val="1348661135"/>
+      </p:ext>
+    </p:extLst>
+  </p:cSld>
+  <p:clrMapOvr>
+    <a:masterClrMapping/>
+  </p:clrMapOvr>
+</p:sld>
+</file>
+
+<file path=ppt/slides/slide3.xml><?xml version="1.0" encoding="utf-8"?>
+<p:sld xmlns:a="http://schemas.openxmlformats.org/drawingml/2006/main" xmlns:r="http://schemas.openxmlformats.org/officeDocument/2006/relationships" xmlns:p="http://schemas.openxmlformats.org/presentationml/2006/main">
+  <p:cSld>
+    <p:spTree>
+      <p:nvGrpSpPr>
+        <p:cNvPr id="1" name=""/>
+        <p:cNvGrpSpPr/>
+        <p:nvPr/>
+      </p:nvGrpSpPr>
+      <p:grpSpPr>
+        <a:xfrm>
+          <a:off x="0" y="0"/>
+          <a:ext cx="0" cy="0"/>
+          <a:chOff x="0" y="0"/>
+          <a:chExt cx="0" cy="0"/>
+        </a:xfrm>
+      </p:grpSpPr>
+      <p:sp>
+        <p:nvSpPr>
+          <p:cNvPr id="2" name="Title 1">
+            <a:extLst>
+              <a:ext uri="{FF2B5EF4-FFF2-40B4-BE49-F238E27FC236}">
+                <a16:creationId xmlns:a16="http://schemas.microsoft.com/office/drawing/2014/main" id="{60F35BF6-C0E6-4922-85F0-7649B5EC8763}"/>
+              </a:ext>
+            </a:extLst>
+          </p:cNvPr>
+          <p:cNvSpPr>
+            <a:spLocks noGrp="1"/>
+          </p:cNvSpPr>
+          <p:nvPr>
+            <p:ph type="title"/>
+          </p:nvPr>
+        </p:nvSpPr>
+        <p:spPr>
+          <a:xfrm>
+            <a:off x="4151159" y="657218"/>
+            <a:ext cx="7913594" cy="1325563"/>
+          </a:xfrm>
+        </p:spPr>
+        <p:txBody>
+          <a:bodyPr/>
+          <a:lstStyle/>
+          <a:p>
+            <a:r>
+              <a:rPr lang="en-US" sz="4800" dirty="0"/>
+              <a:t>Options</a:t>
+            </a:r>
+            <a:endParaRPr lang="en-US" dirty="0"/>
+          </a:p>
+        </p:txBody>
+      </p:sp>
+      <p:sp>
+        <p:nvSpPr>
+          <p:cNvPr id="3" name="Text Placeholder 2">
+            <a:extLst>
+              <a:ext uri="{FF2B5EF4-FFF2-40B4-BE49-F238E27FC236}">
+                <a16:creationId xmlns:a16="http://schemas.microsoft.com/office/drawing/2014/main" id="{9B241160-F4E2-4472-ACF2-EF911EBCC1FF}"/>
+              </a:ext>
+            </a:extLst>
+          </p:cNvPr>
+          <p:cNvSpPr>
+            <a:spLocks noGrp="1"/>
+          </p:cNvSpPr>
+          <p:nvPr>
+            <p:ph type="body" idx="1"/>
+          </p:nvPr>
+        </p:nvSpPr>
+        <p:spPr>
+          <a:xfrm>
+            <a:off x="4313176" y="1551837"/>
+            <a:ext cx="3536903" cy="823912"/>
+          </a:xfrm>
+        </p:spPr>
+        <p:txBody>
+          <a:bodyPr>
+            <a:normAutofit/>
+          </a:bodyPr>
+          <a:lstStyle/>
+          <a:p>
+            <a:r>
+              <a:rPr lang="en-US" sz="2800" dirty="0"/>
+              <a:t>We Do It</a:t>
+            </a:r>
+          </a:p>
+        </p:txBody>
+      </p:sp>
+      <p:sp>
+        <p:nvSpPr>
+          <p:cNvPr id="4" name="Content Placeholder 3">
+            <a:extLst>
+              <a:ext uri="{FF2B5EF4-FFF2-40B4-BE49-F238E27FC236}">
+                <a16:creationId xmlns:a16="http://schemas.microsoft.com/office/drawing/2014/main" id="{5DAE41F3-3AC7-48B1-A6C1-F5B0010C570D}"/>
+              </a:ext>
+            </a:extLst>
+          </p:cNvPr>
+          <p:cNvSpPr>
+            <a:spLocks noGrp="1"/>
+          </p:cNvSpPr>
+          <p:nvPr>
+            <p:ph sz="half" idx="2"/>
+          </p:nvPr>
+        </p:nvSpPr>
+        <p:spPr>
+          <a:xfrm>
+            <a:off x="4313177" y="2375749"/>
+            <a:ext cx="3403738" cy="3684588"/>
+          </a:xfrm>
+        </p:spPr>
+        <p:txBody>
+          <a:bodyPr>
+            <a:normAutofit/>
+          </a:bodyPr>
+          <a:lstStyle/>
+          <a:p>
+            <a:r>
+              <a:rPr lang="en-US" sz="2400" dirty="0"/>
+              <a:t>Become a Bottleneck</a:t>
+            </a:r>
+          </a:p>
+          <a:p>
+            <a:r>
+              <a:rPr lang="en-US" sz="2400" dirty="0"/>
+              <a:t>Reactive</a:t>
+            </a:r>
+          </a:p>
+          <a:p>
+            <a:r>
+              <a:rPr lang="en-US" sz="2400" dirty="0"/>
+              <a:t>Increased workload</a:t>
+            </a:r>
+          </a:p>
+          <a:p>
+            <a:r>
+              <a:rPr lang="en-US" sz="2400" dirty="0"/>
+              <a:t>Wasn’t working</a:t>
+            </a:r>
+          </a:p>
+        </p:txBody>
+      </p:sp>
+      <p:sp>
+        <p:nvSpPr>
+          <p:cNvPr id="5" name="Text Placeholder 4">
+            <a:extLst>
+              <a:ext uri="{FF2B5EF4-FFF2-40B4-BE49-F238E27FC236}">
+                <a16:creationId xmlns:a16="http://schemas.microsoft.com/office/drawing/2014/main" id="{B9D9F233-CA12-4C32-A4AC-B96EAA1018EC}"/>
+              </a:ext>
+            </a:extLst>
+          </p:cNvPr>
+          <p:cNvSpPr>
+            <a:spLocks noGrp="1"/>
+          </p:cNvSpPr>
+          <p:nvPr>
+            <p:ph type="body" sz="quarter" idx="3"/>
+          </p:nvPr>
+        </p:nvSpPr>
+        <p:spPr>
+          <a:xfrm>
+            <a:off x="7850079" y="1548554"/>
+            <a:ext cx="3673136" cy="823912"/>
+          </a:xfrm>
+        </p:spPr>
+        <p:txBody>
+          <a:bodyPr>
+            <a:normAutofit/>
+          </a:bodyPr>
+          <a:lstStyle/>
+          <a:p>
+            <a:r>
+              <a:rPr lang="en-US" sz="2800" dirty="0"/>
+              <a:t>They Do It</a:t>
+            </a:r>
+          </a:p>
+        </p:txBody>
+      </p:sp>
+      <p:sp>
+        <p:nvSpPr>
+          <p:cNvPr id="6" name="Content Placeholder 5">
+            <a:extLst>
+              <a:ext uri="{FF2B5EF4-FFF2-40B4-BE49-F238E27FC236}">
+                <a16:creationId xmlns:a16="http://schemas.microsoft.com/office/drawing/2014/main" id="{45BB97B1-40F8-4686-A652-7C8964019556}"/>
+              </a:ext>
+            </a:extLst>
+          </p:cNvPr>
+          <p:cNvSpPr>
+            <a:spLocks noGrp="1"/>
+          </p:cNvSpPr>
+          <p:nvPr>
+            <p:ph sz="quarter" idx="4"/>
+          </p:nvPr>
+        </p:nvSpPr>
+        <p:spPr>
+          <a:xfrm>
+            <a:off x="7850079" y="2372466"/>
+            <a:ext cx="3673136" cy="3684588"/>
+          </a:xfrm>
+        </p:spPr>
+        <p:txBody>
+          <a:bodyPr>
+            <a:normAutofit/>
+          </a:bodyPr>
+          <a:lstStyle/>
+          <a:p>
+            <a:r>
+              <a:rPr lang="en-US" sz="2400" dirty="0"/>
+              <a:t>Self-Service</a:t>
+            </a:r>
+          </a:p>
+          <a:p>
+            <a:r>
+              <a:rPr lang="en-US" sz="2400" dirty="0"/>
+              <a:t>Delegated Ownership</a:t>
+            </a:r>
+          </a:p>
+          <a:p>
+            <a:r>
+              <a:rPr lang="en-US" sz="2400" dirty="0"/>
+              <a:t>Decreased workload</a:t>
+            </a:r>
+          </a:p>
+          <a:p>
+            <a:r>
+              <a:rPr lang="en-US" sz="2400" dirty="0"/>
+              <a:t>Might work?</a:t>
+            </a:r>
+          </a:p>
+        </p:txBody>
+      </p:sp>
+    </p:spTree>
+    <p:extLst>
+      <p:ext uri="{BB962C8B-B14F-4D97-AF65-F5344CB8AC3E}">
+        <p14:creationId xmlns:p14="http://schemas.microsoft.com/office/powerpoint/2010/main" val="2080548761"/>
+      </p:ext>
+    </p:extLst>
+  </p:cSld>
+  <p:clrMapOvr>
+    <a:masterClrMapping/>
+  </p:clrMapOvr>
+  <p:timing>
+    <p:tnLst>
+      <p:par>
+        <p:cTn id="1" dur="indefinite" restart="never" nodeType="tmRoot">
+          <p:childTnLst>
+            <p:seq concurrent="1" nextAc="seek">
+              <p:cTn id="2" dur="indefinite" nodeType="mainSeq">
+                <p:childTnLst>
+                  <p:par>
+                    <p:cTn id="3" fill="hold">
+                      <p:stCondLst>
+                        <p:cond delay="indefinite"/>
+                      </p:stCondLst>
+                      <p:childTnLst>
+                        <p:par>
+                          <p:cTn id="4" fill="hold">
+                            <p:stCondLst>
+                              <p:cond delay="0"/>
+                            </p:stCondLst>
+                            <p:childTnLst>
+                              <p:par>
+                                <p:cTn id="5" presetID="1" presetClass="entr" presetSubtype="0" fill="hold" grpId="0" nodeType="clickEffect">
+                                  <p:stCondLst>
+                                    <p:cond delay="0"/>
+                                  </p:stCondLst>
+                                  <p:childTnLst>
+                                    <p:set>
+                                      <p:cBhvr>
+                                        <p:cTn id="6" dur="1" fill="hold">
+                                          <p:stCondLst>
+                                            <p:cond delay="0"/>
+                                          </p:stCondLst>
+                                        </p:cTn>
+                                        <p:tgtEl>
+                                          <p:spTgt spid="3">
+                                            <p:txEl>
+                                              <p:pRg st="0" end="0"/>
+                                            </p:txEl>
+                                          </p:spTgt>
+                                        </p:tgtEl>
+                                        <p:attrNameLst>
+                                          <p:attrName>style.visibility</p:attrName>
+                                        </p:attrNameLst>
+                                      </p:cBhvr>
+                                      <p:to>
+                                        <p:strVal val="visible"/>
+                                      </p:to>
+                                    </p:set>
+                                  </p:childTnLst>
+                                </p:cTn>
+                              </p:par>
+                              <p:par>
+                                <p:cTn id="7" presetID="1" presetClass="entr" presetSubtype="0" fill="hold" grpId="0" nodeType="withEffect">
+                                  <p:stCondLst>
+                                    <p:cond delay="0"/>
+                                  </p:stCondLst>
+                                  <p:childTnLst>
+                                    <p:set>
+                                      <p:cBhvr>
+                                        <p:cTn id="8" dur="1" fill="hold">
+                                          <p:stCondLst>
+                                            <p:cond delay="0"/>
+                                          </p:stCondLst>
+                                        </p:cTn>
+                                        <p:tgtEl>
+                                          <p:spTgt spid="4">
+                                            <p:txEl>
+                                              <p:pRg st="0" end="0"/>
+                                            </p:txEl>
+                                          </p:spTgt>
+                                        </p:tgtEl>
+                                        <p:attrNameLst>
+                                          <p:attrName>style.visibility</p:attrName>
+                                        </p:attrNameLst>
+                                      </p:cBhvr>
+                                      <p:to>
+                                        <p:strVal val="visible"/>
+                                      </p:to>
+                                    </p:set>
+                                  </p:childTnLst>
+                                </p:cTn>
+                              </p:par>
+                              <p:par>
+                                <p:cTn id="9" presetID="1" presetClass="entr" presetSubtype="0" fill="hold" grpId="0" nodeType="withEffect">
+                                  <p:stCondLst>
+                                    <p:cond delay="0"/>
+                                  </p:stCondLst>
+                                  <p:childTnLst>
+                                    <p:set>
+                                      <p:cBhvr>
+                                        <p:cTn id="10" dur="1" fill="hold">
+                                          <p:stCondLst>
+                                            <p:cond delay="0"/>
+                                          </p:stCondLst>
+                                        </p:cTn>
+                                        <p:tgtEl>
+                                          <p:spTgt spid="4">
+                                            <p:txEl>
+                                              <p:pRg st="1" end="1"/>
+                                            </p:txEl>
+                                          </p:spTgt>
+                                        </p:tgtEl>
+                                        <p:attrNameLst>
+                                          <p:attrName>style.visibility</p:attrName>
+                                        </p:attrNameLst>
+                                      </p:cBhvr>
+                                      <p:to>
+                                        <p:strVal val="visible"/>
+                                      </p:to>
+                                    </p:set>
+                                  </p:childTnLst>
+                                </p:cTn>
+                              </p:par>
+                              <p:par>
+                                <p:cTn id="11" presetID="1" presetClass="entr" presetSubtype="0" fill="hold" grpId="0" nodeType="withEffect">
+                                  <p:stCondLst>
+                                    <p:cond delay="0"/>
+                                  </p:stCondLst>
+                                  <p:childTnLst>
+                                    <p:set>
+                                      <p:cBhvr>
+                                        <p:cTn id="12" dur="1" fill="hold">
+                                          <p:stCondLst>
+                                            <p:cond delay="0"/>
+                                          </p:stCondLst>
+                                        </p:cTn>
+                                        <p:tgtEl>
+                                          <p:spTgt spid="4">
+                                            <p:txEl>
+                                              <p:pRg st="2" end="2"/>
+                                            </p:txEl>
+                                          </p:spTgt>
+                                        </p:tgtEl>
+                                        <p:attrNameLst>
+                                          <p:attrName>style.visibility</p:attrName>
+                                        </p:attrNameLst>
+                                      </p:cBhvr>
+                                      <p:to>
+                                        <p:strVal val="visible"/>
+                                      </p:to>
+                                    </p:set>
+                                  </p:childTnLst>
+                                </p:cTn>
+                              </p:par>
+                              <p:par>
+                                <p:cTn id="13" presetID="1" presetClass="entr" presetSubtype="0" fill="hold" grpId="0" nodeType="withEffect">
+                                  <p:stCondLst>
+                                    <p:cond delay="0"/>
+                                  </p:stCondLst>
+                                  <p:childTnLst>
+                                    <p:set>
+                                      <p:cBhvr>
+                                        <p:cTn id="14" dur="1" fill="hold">
+                                          <p:stCondLst>
+                                            <p:cond delay="0"/>
+                                          </p:stCondLst>
+                                        </p:cTn>
+                                        <p:tgtEl>
+                                          <p:spTgt spid="4">
+                                            <p:txEl>
+                                              <p:pRg st="3" end="3"/>
+                                            </p:txEl>
+                                          </p:spTgt>
+                                        </p:tgtEl>
+                                        <p:attrNameLst>
+                                          <p:attrName>style.visibility</p:attrName>
+                                        </p:attrNameLst>
+                                      </p:cBhvr>
+                                      <p:to>
+                                        <p:strVal val="visible"/>
+                                      </p:to>
+                                    </p:set>
+                                  </p:childTnLst>
+                                </p:cTn>
+                              </p:par>
+                            </p:childTnLst>
+                          </p:cTn>
+                        </p:par>
+                      </p:childTnLst>
+                    </p:cTn>
+                  </p:par>
+                  <p:par>
+                    <p:cTn id="15" fill="hold">
+                      <p:stCondLst>
+                        <p:cond delay="indefinite"/>
+                      </p:stCondLst>
+                      <p:childTnLst>
+                        <p:par>
+                          <p:cTn id="16" fill="hold">
+                            <p:stCondLst>
+                              <p:cond delay="0"/>
+                            </p:stCondLst>
+                            <p:childTnLst>
+                              <p:par>
+                                <p:cTn id="17" presetID="1" presetClass="entr" presetSubtype="0" fill="hold" grpId="0" nodeType="clickEffect">
+                                  <p:stCondLst>
+                                    <p:cond delay="0"/>
+                                  </p:stCondLst>
+                                  <p:childTnLst>
+                                    <p:set>
+                                      <p:cBhvr>
+                                        <p:cTn id="18" dur="1" fill="hold">
+                                          <p:stCondLst>
+                                            <p:cond delay="0"/>
+                                          </p:stCondLst>
+                                        </p:cTn>
+                                        <p:tgtEl>
+                                          <p:spTgt spid="5">
+                                            <p:txEl>
+                                              <p:pRg st="0" end="0"/>
+                                            </p:txEl>
+                                          </p:spTgt>
+                                        </p:tgtEl>
+                                        <p:attrNameLst>
+                                          <p:attrName>style.visibility</p:attrName>
+                                        </p:attrNameLst>
+                                      </p:cBhvr>
+                                      <p:to>
+                                        <p:strVal val="visible"/>
+                                      </p:to>
+                                    </p:set>
+                                  </p:childTnLst>
+                                </p:cTn>
+                              </p:par>
+                              <p:par>
+                                <p:cTn id="19" presetID="1" presetClass="entr" presetSubtype="0" fill="hold" grpId="0" nodeType="withEffect">
+                                  <p:stCondLst>
+                                    <p:cond delay="0"/>
+                                  </p:stCondLst>
+                                  <p:childTnLst>
+                                    <p:set>
+                                      <p:cBhvr>
+                                        <p:cTn id="20" dur="1" fill="hold">
+                                          <p:stCondLst>
+                                            <p:cond delay="0"/>
+                                          </p:stCondLst>
+                                        </p:cTn>
+                                        <p:tgtEl>
+                                          <p:spTgt spid="6">
+                                            <p:txEl>
+                                              <p:pRg st="0" end="0"/>
+                                            </p:txEl>
+                                          </p:spTgt>
+                                        </p:tgtEl>
+                                        <p:attrNameLst>
+                                          <p:attrName>style.visibility</p:attrName>
+                                        </p:attrNameLst>
+                                      </p:cBhvr>
+                                      <p:to>
+                                        <p:strVal val="visible"/>
+                                      </p:to>
+                                    </p:set>
+                                  </p:childTnLst>
+                                </p:cTn>
+                              </p:par>
+                              <p:par>
+                                <p:cTn id="21" presetID="1" presetClass="entr" presetSubtype="0" fill="hold" grpId="0" nodeType="withEffect">
+                                  <p:stCondLst>
+                                    <p:cond delay="0"/>
+                                  </p:stCondLst>
+                                  <p:childTnLst>
+                                    <p:set>
+                                      <p:cBhvr>
+                                        <p:cTn id="22" dur="1" fill="hold">
+                                          <p:stCondLst>
+                                            <p:cond delay="0"/>
+                                          </p:stCondLst>
+                                        </p:cTn>
+                                        <p:tgtEl>
+                                          <p:spTgt spid="6">
+                                            <p:txEl>
+                                              <p:pRg st="1" end="1"/>
+                                            </p:txEl>
+                                          </p:spTgt>
+                                        </p:tgtEl>
+                                        <p:attrNameLst>
+                                          <p:attrName>style.visibility</p:attrName>
+                                        </p:attrNameLst>
+                                      </p:cBhvr>
+                                      <p:to>
+                                        <p:strVal val="visible"/>
+                                      </p:to>
+                                    </p:set>
+                                  </p:childTnLst>
+                                </p:cTn>
+                              </p:par>
+                              <p:par>
+                                <p:cTn id="23" presetID="1" presetClass="entr" presetSubtype="0" fill="hold" grpId="0" nodeType="withEffect">
+                                  <p:stCondLst>
+                                    <p:cond delay="0"/>
+                                  </p:stCondLst>
+                                  <p:childTnLst>
+                                    <p:set>
+                                      <p:cBhvr>
+                                        <p:cTn id="24" dur="1" fill="hold">
+                                          <p:stCondLst>
+                                            <p:cond delay="0"/>
+                                          </p:stCondLst>
+                                        </p:cTn>
+                                        <p:tgtEl>
+                                          <p:spTgt spid="6">
+                                            <p:txEl>
+                                              <p:pRg st="2" end="2"/>
+                                            </p:txEl>
+                                          </p:spTgt>
+                                        </p:tgtEl>
+                                        <p:attrNameLst>
+                                          <p:attrName>style.visibility</p:attrName>
+                                        </p:attrNameLst>
+                                      </p:cBhvr>
+                                      <p:to>
+                                        <p:strVal val="visible"/>
+                                      </p:to>
+                                    </p:set>
+                                  </p:childTnLst>
+                                </p:cTn>
+                              </p:par>
+                              <p:par>
+                                <p:cTn id="25" presetID="1" presetClass="entr" presetSubtype="0" fill="hold" grpId="0" nodeType="withEffect">
+                                  <p:stCondLst>
+                                    <p:cond delay="0"/>
+                                  </p:stCondLst>
+                                  <p:childTnLst>
+                                    <p:set>
+                                      <p:cBhvr>
+                                        <p:cTn id="26" dur="1" fill="hold">
+                                          <p:stCondLst>
+                                            <p:cond delay="0"/>
+                                          </p:stCondLst>
+                                        </p:cTn>
+                                        <p:tgtEl>
+                                          <p:spTgt spid="6">
+                                            <p:txEl>
+                                              <p:pRg st="3" end="3"/>
+                                            </p:txEl>
+                                          </p:spTgt>
+                                        </p:tgtEl>
+                                        <p:attrNameLst>
+                                          <p:attrName>style.visibility</p:attrName>
+                                        </p:attrNameLst>
+                                      </p:cBhvr>
+                                      <p:to>
+                                        <p:strVal val="visible"/>
+                                      </p:to>
+                                    </p:set>
+                                  </p:childTnLst>
+                                </p:cTn>
+                              </p:par>
+                            </p:childTnLst>
+                          </p:cTn>
+                        </p:par>
+                      </p:childTnLst>
+                    </p:cTn>
+                  </p:par>
+                </p:childTnLst>
+              </p:cTn>
+              <p:prevCondLst>
+                <p:cond evt="onPrev" delay="0">
+                  <p:tgtEl>
+                    <p:sldTgt/>
+                  </p:tgtEl>
+                </p:cond>
+              </p:prevCondLst>
+              <p:nextCondLst>
+                <p:cond evt="onNext" delay="0">
+                  <p:tgtEl>
+                    <p:sldTgt/>
+                  </p:tgtEl>
+                </p:cond>
+              </p:nextCondLst>
+            </p:seq>
+          </p:childTnLst>
+        </p:cTn>
+      </p:par>
+    </p:tnLst>
+    <p:bldLst>
+      <p:bldP spid="3" grpId="0" build="p"/>
+      <p:bldP spid="4" grpId="0" uiExpand="1" build="p"/>
+      <p:bldP spid="5" grpId="0" build="p"/>
+      <p:bldP spid="6" grpId="0" uiExpand="1" build="p"/>
+    </p:bldLst>
+  </p:timing>
+</p:sld>
+</file>
+
+<file path=ppt/slides/slide4.xml><?xml version="1.0" encoding="utf-8"?>
 <p:sld xmlns:a="http://schemas.openxmlformats.org/drawingml/2006/main" xmlns:r="http://schemas.openxmlformats.org/officeDocument/2006/relationships" xmlns:p="http://schemas.openxmlformats.org/presentationml/2006/main">
   <p:cSld>
     <p:spTree>
@@ -4655,7 +5498,7 @@
 </p:sld>
 </file>
 
-<file path=ppt/slides/slide11.xml><?xml version="1.0" encoding="utf-8"?>
+<file path=ppt/slides/slide5.xml><?xml version="1.0" encoding="utf-8"?>
 <p:sld xmlns:a="http://schemas.openxmlformats.org/drawingml/2006/main" xmlns:r="http://schemas.openxmlformats.org/officeDocument/2006/relationships" xmlns:p="http://schemas.openxmlformats.org/presentationml/2006/main">
   <p:cSld>
     <p:spTree>
@@ -5916,7 +6759,7 @@
 </p:sld>
 </file>
 
-<file path=ppt/slides/slide12.xml><?xml version="1.0" encoding="utf-8"?>
+<file path=ppt/slides/slide6.xml><?xml version="1.0" encoding="utf-8"?>
 <p:sld xmlns:a="http://schemas.openxmlformats.org/drawingml/2006/main" xmlns:r="http://schemas.openxmlformats.org/officeDocument/2006/relationships" xmlns:p="http://schemas.openxmlformats.org/presentationml/2006/main">
   <p:cSld>
     <p:spTree>
@@ -5971,7 +6814,7 @@
 </p:sld>
 </file>
 
-<file path=ppt/slides/slide13.xml><?xml version="1.0" encoding="utf-8"?>
+<file path=ppt/slides/slide7.xml><?xml version="1.0" encoding="utf-8"?>
 <p:sld xmlns:a="http://schemas.openxmlformats.org/drawingml/2006/main" xmlns:r="http://schemas.openxmlformats.org/officeDocument/2006/relationships" xmlns:p="http://schemas.openxmlformats.org/presentationml/2006/main">
   <p:cSld>
     <p:spTree>
@@ -6261,702 +7104,6 @@
 </p:sld>
 </file>
 
-<file path=ppt/slides/slide14.xml><?xml version="1.0" encoding="utf-8"?>
-<p:sld xmlns:a="http://schemas.openxmlformats.org/drawingml/2006/main" xmlns:r="http://schemas.openxmlformats.org/officeDocument/2006/relationships" xmlns:p="http://schemas.openxmlformats.org/presentationml/2006/main">
-  <p:cSld>
-    <p:spTree>
-      <p:nvGrpSpPr>
-        <p:cNvPr id="1" name=""/>
-        <p:cNvGrpSpPr/>
-        <p:nvPr/>
-      </p:nvGrpSpPr>
-      <p:grpSpPr>
-        <a:xfrm>
-          <a:off x="0" y="0"/>
-          <a:ext cx="0" cy="0"/>
-          <a:chOff x="0" y="0"/>
-          <a:chExt cx="0" cy="0"/>
-        </a:xfrm>
-      </p:grpSpPr>
-      <p:sp>
-        <p:nvSpPr>
-          <p:cNvPr id="3" name="TextBox 2">
-            <a:extLst>
-              <a:ext uri="{FF2B5EF4-FFF2-40B4-BE49-F238E27FC236}">
-                <a16:creationId xmlns:a16="http://schemas.microsoft.com/office/drawing/2014/main" id="{D54F3128-D4E3-42CB-AB92-85CCB3BD0753}"/>
-              </a:ext>
-            </a:extLst>
-          </p:cNvPr>
-          <p:cNvSpPr txBox="1"/>
-          <p:nvPr/>
-        </p:nvSpPr>
-        <p:spPr>
-          <a:xfrm>
-            <a:off x="682907" y="2025570"/>
-            <a:ext cx="7674015" cy="3139321"/>
-          </a:xfrm>
-          <a:prstGeom prst="rect">
-            <a:avLst/>
-          </a:prstGeom>
-          <a:noFill/>
-        </p:spPr>
-        <p:txBody>
-          <a:bodyPr wrap="square" rtlCol="0">
-            <a:spAutoFit/>
-          </a:bodyPr>
-          <a:lstStyle/>
-          <a:p>
-            <a:r>
-              <a:rPr lang="en-US" b="1" dirty="0"/>
-              <a:t>Demo (Code| Files | Slides)</a:t>
-            </a:r>
-          </a:p>
-          <a:p>
-            <a:r>
-              <a:rPr lang="en-US" dirty="0"/>
-              <a:t>	</a:t>
-            </a:r>
-            <a:r>
-              <a:rPr lang="en-US" dirty="0">
-                <a:hlinkClick r:id="rId2"/>
-              </a:rPr>
-              <a:t>https://github.com/Duffney/AppProvisionOctopusDSC</a:t>
-            </a:r>
-            <a:endParaRPr lang="en-US" dirty="0"/>
-          </a:p>
-          <a:p>
-            <a:endParaRPr lang="en-US" dirty="0"/>
-          </a:p>
-          <a:p>
-            <a:r>
-              <a:rPr lang="en-US" b="1" dirty="0"/>
-              <a:t>Blog</a:t>
-            </a:r>
-          </a:p>
-          <a:p>
-            <a:r>
-              <a:rPr lang="en-US" b="1" dirty="0"/>
-              <a:t>	</a:t>
-            </a:r>
-            <a:r>
-              <a:rPr lang="en-US" dirty="0">
-                <a:hlinkClick r:id="rId3"/>
-              </a:rPr>
-              <a:t>http://duffney.io</a:t>
-            </a:r>
-            <a:br>
-              <a:rPr lang="en-US" dirty="0"/>
-            </a:br>
-            <a:br>
-              <a:rPr lang="en-US" dirty="0"/>
-            </a:br>
-            <a:r>
-              <a:rPr lang="en-US" b="1" dirty="0"/>
-              <a:t>Twitter</a:t>
-            </a:r>
-          </a:p>
-          <a:p>
-            <a:r>
-              <a:rPr lang="en-US" b="1" dirty="0"/>
-              <a:t>	</a:t>
-            </a:r>
-            <a:r>
-              <a:rPr lang="en-US" dirty="0"/>
-              <a:t>@</a:t>
-            </a:r>
-            <a:r>
-              <a:rPr lang="en-US" dirty="0" err="1"/>
-              <a:t>joshduffney</a:t>
-            </a:r>
-            <a:endParaRPr lang="en-US" dirty="0"/>
-          </a:p>
-          <a:p>
-            <a:endParaRPr lang="en-US" b="1" dirty="0"/>
-          </a:p>
-          <a:p>
-            <a:r>
-              <a:rPr lang="en-US" b="1" dirty="0" err="1"/>
-              <a:t>Github</a:t>
-            </a:r>
-            <a:endParaRPr lang="en-US" b="1" dirty="0"/>
-          </a:p>
-          <a:p>
-            <a:r>
-              <a:rPr lang="en-US" b="1" dirty="0"/>
-              <a:t>	</a:t>
-            </a:r>
-            <a:r>
-              <a:rPr lang="en-US" dirty="0">
-                <a:hlinkClick r:id="rId4"/>
-              </a:rPr>
-              <a:t>https://github.com/Duffney</a:t>
-            </a:r>
-            <a:endParaRPr lang="en-US" b="1" dirty="0"/>
-          </a:p>
-        </p:txBody>
-      </p:sp>
-    </p:spTree>
-    <p:extLst>
-      <p:ext uri="{BB962C8B-B14F-4D97-AF65-F5344CB8AC3E}">
-        <p14:creationId xmlns:p14="http://schemas.microsoft.com/office/powerpoint/2010/main" val="2711495577"/>
-      </p:ext>
-    </p:extLst>
-  </p:cSld>
-  <p:clrMapOvr>
-    <a:masterClrMapping/>
-  </p:clrMapOvr>
-</p:sld>
-</file>
-
-<file path=ppt/slides/slide2.xml><?xml version="1.0" encoding="utf-8"?>
-<p:sld xmlns:a="http://schemas.openxmlformats.org/drawingml/2006/main" xmlns:r="http://schemas.openxmlformats.org/officeDocument/2006/relationships" xmlns:p="http://schemas.openxmlformats.org/presentationml/2006/main" show="0">
-  <p:cSld>
-    <p:spTree>
-      <p:nvGrpSpPr>
-        <p:cNvPr id="1" name=""/>
-        <p:cNvGrpSpPr/>
-        <p:nvPr/>
-      </p:nvGrpSpPr>
-      <p:grpSpPr>
-        <a:xfrm>
-          <a:off x="0" y="0"/>
-          <a:ext cx="0" cy="0"/>
-          <a:chOff x="0" y="0"/>
-          <a:chExt cx="0" cy="0"/>
-        </a:xfrm>
-      </p:grpSpPr>
-      <p:sp>
-        <p:nvSpPr>
-          <p:cNvPr id="2" name="Title 1"/>
-          <p:cNvSpPr>
-            <a:spLocks noGrp="1"/>
-          </p:cNvSpPr>
-          <p:nvPr>
-            <p:ph type="title"/>
-          </p:nvPr>
-        </p:nvSpPr>
-        <p:spPr/>
-        <p:txBody>
-          <a:bodyPr/>
-          <a:lstStyle/>
-          <a:p>
-            <a:r>
-              <a:rPr lang="en-US" dirty="0"/>
-              <a:t>Demos</a:t>
-            </a:r>
-          </a:p>
-        </p:txBody>
-      </p:sp>
-      <p:sp>
-        <p:nvSpPr>
-          <p:cNvPr id="3" name="Content Placeholder 2"/>
-          <p:cNvSpPr>
-            <a:spLocks noGrp="1"/>
-          </p:cNvSpPr>
-          <p:nvPr>
-            <p:ph sz="quarter" idx="13"/>
-          </p:nvPr>
-        </p:nvSpPr>
-        <p:spPr/>
-        <p:txBody>
-          <a:bodyPr/>
-          <a:lstStyle/>
-          <a:p>
-            <a:r>
-              <a:rPr lang="en-US" dirty="0"/>
-              <a:t>Please modify console, ISE, or VS Code colors to use a high-contrast color scheme.</a:t>
-            </a:r>
-          </a:p>
-          <a:p>
-            <a:r>
-              <a:rPr lang="en-US" dirty="0"/>
-              <a:t>“Light” themes often work better, especially when combined with bold fonts and dark text colors.</a:t>
-            </a:r>
-          </a:p>
-          <a:p>
-            <a:r>
-              <a:rPr lang="en-US" dirty="0"/>
-              <a:t>Jack up the font size so your code is legible at the back of the room.</a:t>
-            </a:r>
-          </a:p>
-        </p:txBody>
-      </p:sp>
-    </p:spTree>
-    <p:extLst>
-      <p:ext uri="{BB962C8B-B14F-4D97-AF65-F5344CB8AC3E}">
-        <p14:creationId xmlns:p14="http://schemas.microsoft.com/office/powerpoint/2010/main" val="811870181"/>
-      </p:ext>
-    </p:extLst>
-  </p:cSld>
-  <p:clrMapOvr>
-    <a:masterClrMapping/>
-  </p:clrMapOvr>
-</p:sld>
-</file>
-
-<file path=ppt/slides/slide3.xml><?xml version="1.0" encoding="utf-8"?>
-<p:sld xmlns:a="http://schemas.openxmlformats.org/drawingml/2006/main" xmlns:r="http://schemas.openxmlformats.org/officeDocument/2006/relationships" xmlns:p="http://schemas.openxmlformats.org/presentationml/2006/main" show="0">
-  <p:cSld>
-    <p:spTree>
-      <p:nvGrpSpPr>
-        <p:cNvPr id="1" name=""/>
-        <p:cNvGrpSpPr/>
-        <p:nvPr/>
-      </p:nvGrpSpPr>
-      <p:grpSpPr>
-        <a:xfrm>
-          <a:off x="0" y="0"/>
-          <a:ext cx="0" cy="0"/>
-          <a:chOff x="0" y="0"/>
-          <a:chExt cx="0" cy="0"/>
-        </a:xfrm>
-      </p:grpSpPr>
-      <p:sp>
-        <p:nvSpPr>
-          <p:cNvPr id="2" name="Title 1"/>
-          <p:cNvSpPr>
-            <a:spLocks noGrp="1"/>
-          </p:cNvSpPr>
-          <p:nvPr>
-            <p:ph type="title"/>
-          </p:nvPr>
-        </p:nvSpPr>
-        <p:spPr/>
-        <p:txBody>
-          <a:bodyPr/>
-          <a:lstStyle/>
-          <a:p>
-            <a:r>
-              <a:rPr lang="en-US" dirty="0"/>
-              <a:t>Demos</a:t>
-            </a:r>
-          </a:p>
-        </p:txBody>
-      </p:sp>
-      <p:sp>
-        <p:nvSpPr>
-          <p:cNvPr id="3" name="Content Placeholder 2"/>
-          <p:cNvSpPr>
-            <a:spLocks noGrp="1"/>
-          </p:cNvSpPr>
-          <p:nvPr>
-            <p:ph sz="quarter" idx="13"/>
-          </p:nvPr>
-        </p:nvSpPr>
-        <p:spPr/>
-        <p:txBody>
-          <a:bodyPr/>
-          <a:lstStyle/>
-          <a:p>
-            <a:r>
-              <a:rPr lang="en-US" dirty="0"/>
-              <a:t>We strongly recommend the use of VS Code </a:t>
-            </a:r>
-            <a:r>
-              <a:rPr lang="mr-IN" dirty="0"/>
-              <a:t>–</a:t>
-            </a:r>
-            <a:r>
-              <a:rPr lang="en-US" dirty="0"/>
-              <a:t> all attendees can get it, and we’d like them to get used to it</a:t>
-            </a:r>
-          </a:p>
-          <a:p>
-            <a:r>
-              <a:rPr lang="en-US" dirty="0"/>
-              <a:t>We recommend the Light+ theme</a:t>
-            </a:r>
-          </a:p>
-          <a:p>
-            <a:r>
-              <a:rPr lang="en-US" dirty="0"/>
-              <a:t>Use the Zoom feature to raise the font size consistently throughout the UI</a:t>
-            </a:r>
-          </a:p>
-        </p:txBody>
-      </p:sp>
-    </p:spTree>
-    <p:extLst>
-      <p:ext uri="{BB962C8B-B14F-4D97-AF65-F5344CB8AC3E}">
-        <p14:creationId xmlns:p14="http://schemas.microsoft.com/office/powerpoint/2010/main" val="2087206324"/>
-      </p:ext>
-    </p:extLst>
-  </p:cSld>
-  <p:clrMapOvr>
-    <a:masterClrMapping/>
-  </p:clrMapOvr>
-</p:sld>
-</file>
-
-<file path=ppt/slides/slide4.xml><?xml version="1.0" encoding="utf-8"?>
-<p:sld xmlns:a="http://schemas.openxmlformats.org/drawingml/2006/main" xmlns:r="http://schemas.openxmlformats.org/officeDocument/2006/relationships" xmlns:p="http://schemas.openxmlformats.org/presentationml/2006/main" show="0">
-  <p:cSld>
-    <p:spTree>
-      <p:nvGrpSpPr>
-        <p:cNvPr id="1" name=""/>
-        <p:cNvGrpSpPr/>
-        <p:nvPr/>
-      </p:nvGrpSpPr>
-      <p:grpSpPr>
-        <a:xfrm>
-          <a:off x="0" y="0"/>
-          <a:ext cx="0" cy="0"/>
-          <a:chOff x="0" y="0"/>
-          <a:chExt cx="0" cy="0"/>
-        </a:xfrm>
-      </p:grpSpPr>
-      <p:sp>
-        <p:nvSpPr>
-          <p:cNvPr id="2" name="Title 1"/>
-          <p:cNvSpPr>
-            <a:spLocks noGrp="1"/>
-          </p:cNvSpPr>
-          <p:nvPr>
-            <p:ph type="title"/>
-          </p:nvPr>
-        </p:nvSpPr>
-        <p:spPr/>
-        <p:txBody>
-          <a:bodyPr/>
-          <a:lstStyle/>
-          <a:p>
-            <a:r>
-              <a:rPr lang="en-US" dirty="0"/>
-              <a:t>Copyright</a:t>
-            </a:r>
-          </a:p>
-        </p:txBody>
-      </p:sp>
-      <p:sp>
-        <p:nvSpPr>
-          <p:cNvPr id="3" name="Content Placeholder 2"/>
-          <p:cNvSpPr>
-            <a:spLocks noGrp="1"/>
-          </p:cNvSpPr>
-          <p:nvPr>
-            <p:ph sz="quarter" idx="13"/>
-          </p:nvPr>
-        </p:nvSpPr>
-        <p:spPr/>
-        <p:txBody>
-          <a:bodyPr/>
-          <a:lstStyle/>
-          <a:p>
-            <a:r>
-              <a:rPr lang="en-US" dirty="0"/>
-              <a:t>Please do not include graphics or videos you found on the Internet unless you have </a:t>
-            </a:r>
-            <a:r>
-              <a:rPr lang="en-US" b="1" dirty="0"/>
-              <a:t>explicit permission from their owner</a:t>
-            </a:r>
-            <a:r>
-              <a:rPr lang="en-US" dirty="0"/>
-              <a:t> to use them.</a:t>
-            </a:r>
-          </a:p>
-          <a:p>
-            <a:r>
-              <a:rPr lang="en-US" dirty="0"/>
-              <a:t>We have had take-down notices in the past and would like to avoid this.</a:t>
-            </a:r>
-          </a:p>
-          <a:p>
-            <a:r>
-              <a:rPr lang="en-US" dirty="0"/>
-              <a:t>When in doubt, skip the silly picture.</a:t>
-            </a:r>
-          </a:p>
-        </p:txBody>
-      </p:sp>
-    </p:spTree>
-    <p:extLst>
-      <p:ext uri="{BB962C8B-B14F-4D97-AF65-F5344CB8AC3E}">
-        <p14:creationId xmlns:p14="http://schemas.microsoft.com/office/powerpoint/2010/main" val="1586476822"/>
-      </p:ext>
-    </p:extLst>
-  </p:cSld>
-  <p:clrMapOvr>
-    <a:masterClrMapping/>
-  </p:clrMapOvr>
-</p:sld>
-</file>
-
-<file path=ppt/slides/slide5.xml><?xml version="1.0" encoding="utf-8"?>
-<p:sld xmlns:a="http://schemas.openxmlformats.org/drawingml/2006/main" xmlns:r="http://schemas.openxmlformats.org/officeDocument/2006/relationships" xmlns:p="http://schemas.openxmlformats.org/presentationml/2006/main" show="0">
-  <p:cSld>
-    <p:spTree>
-      <p:nvGrpSpPr>
-        <p:cNvPr id="1" name=""/>
-        <p:cNvGrpSpPr/>
-        <p:nvPr/>
-      </p:nvGrpSpPr>
-      <p:grpSpPr>
-        <a:xfrm>
-          <a:off x="0" y="0"/>
-          <a:ext cx="0" cy="0"/>
-          <a:chOff x="0" y="0"/>
-          <a:chExt cx="0" cy="0"/>
-        </a:xfrm>
-      </p:grpSpPr>
-      <p:sp>
-        <p:nvSpPr>
-          <p:cNvPr id="2" name="Title 1"/>
-          <p:cNvSpPr>
-            <a:spLocks noGrp="1"/>
-          </p:cNvSpPr>
-          <p:nvPr>
-            <p:ph type="title"/>
-          </p:nvPr>
-        </p:nvSpPr>
-        <p:spPr/>
-        <p:txBody>
-          <a:bodyPr/>
-          <a:lstStyle/>
-          <a:p>
-            <a:r>
-              <a:rPr lang="en-US" dirty="0"/>
-              <a:t>Copyright</a:t>
-            </a:r>
-          </a:p>
-        </p:txBody>
-      </p:sp>
-      <p:sp>
-        <p:nvSpPr>
-          <p:cNvPr id="3" name="Content Placeholder 2"/>
-          <p:cNvSpPr>
-            <a:spLocks noGrp="1"/>
-          </p:cNvSpPr>
-          <p:nvPr>
-            <p:ph sz="quarter" idx="13"/>
-          </p:nvPr>
-        </p:nvSpPr>
-        <p:spPr/>
-        <p:txBody>
-          <a:bodyPr/>
-          <a:lstStyle/>
-          <a:p>
-            <a:r>
-              <a:rPr lang="en-US" dirty="0"/>
-              <a:t>We default slides to a Creative Commons attribution, </a:t>
-            </a:r>
-            <a:r>
-              <a:rPr lang="en-US" dirty="0" err="1"/>
-              <a:t>sharealike</a:t>
-            </a:r>
-            <a:r>
-              <a:rPr lang="en-US" dirty="0"/>
-              <a:t>, noncommercial license</a:t>
-            </a:r>
-          </a:p>
-          <a:p>
-            <a:r>
-              <a:rPr lang="en-US" dirty="0"/>
-              <a:t>You’re welcome to state a different copyright policy. If you do, please remove the CC logos</a:t>
-            </a:r>
-            <a:r>
-              <a:rPr lang="en-US"/>
-              <a:t>. </a:t>
-            </a:r>
-          </a:p>
-        </p:txBody>
-      </p:sp>
-    </p:spTree>
-    <p:extLst>
-      <p:ext uri="{BB962C8B-B14F-4D97-AF65-F5344CB8AC3E}">
-        <p14:creationId xmlns:p14="http://schemas.microsoft.com/office/powerpoint/2010/main" val="290935719"/>
-      </p:ext>
-    </p:extLst>
-  </p:cSld>
-  <p:clrMapOvr>
-    <a:masterClrMapping/>
-  </p:clrMapOvr>
-</p:sld>
-</file>
-
-<file path=ppt/slides/slide6.xml><?xml version="1.0" encoding="utf-8"?>
-<p:sld xmlns:a="http://schemas.openxmlformats.org/drawingml/2006/main" xmlns:r="http://schemas.openxmlformats.org/officeDocument/2006/relationships" xmlns:p="http://schemas.openxmlformats.org/presentationml/2006/main" show="0">
-  <p:cSld>
-    <p:spTree>
-      <p:nvGrpSpPr>
-        <p:cNvPr id="1" name=""/>
-        <p:cNvGrpSpPr/>
-        <p:nvPr/>
-      </p:nvGrpSpPr>
-      <p:grpSpPr>
-        <a:xfrm>
-          <a:off x="0" y="0"/>
-          <a:ext cx="0" cy="0"/>
-          <a:chOff x="0" y="0"/>
-          <a:chExt cx="0" cy="0"/>
-        </a:xfrm>
-      </p:grpSpPr>
-      <p:sp>
-        <p:nvSpPr>
-          <p:cNvPr id="2" name="Title 1"/>
-          <p:cNvSpPr>
-            <a:spLocks noGrp="1"/>
-          </p:cNvSpPr>
-          <p:nvPr>
-            <p:ph type="title"/>
-          </p:nvPr>
-        </p:nvSpPr>
-        <p:spPr/>
-        <p:txBody>
-          <a:bodyPr/>
-          <a:lstStyle/>
-          <a:p>
-            <a:r>
-              <a:rPr lang="en-US" dirty="0"/>
-              <a:t>Lastly</a:t>
-            </a:r>
-          </a:p>
-        </p:txBody>
-      </p:sp>
-      <p:sp>
-        <p:nvSpPr>
-          <p:cNvPr id="3" name="Content Placeholder 2"/>
-          <p:cNvSpPr>
-            <a:spLocks noGrp="1"/>
-          </p:cNvSpPr>
-          <p:nvPr>
-            <p:ph sz="quarter" idx="13"/>
-          </p:nvPr>
-        </p:nvSpPr>
-        <p:spPr/>
-        <p:txBody>
-          <a:bodyPr/>
-          <a:lstStyle/>
-          <a:p>
-            <a:r>
-              <a:rPr lang="en-US" dirty="0"/>
-              <a:t>Please leave the boilerplate slide at the end of the presentation, and leave it on-screen as you end.</a:t>
-            </a:r>
-          </a:p>
-          <a:p>
-            <a:r>
-              <a:rPr lang="en-US" dirty="0"/>
-              <a:t>During your “Final Q&amp;A” is a good time to bring that slide up.</a:t>
-            </a:r>
-          </a:p>
-        </p:txBody>
-      </p:sp>
-    </p:spTree>
-    <p:extLst>
-      <p:ext uri="{BB962C8B-B14F-4D97-AF65-F5344CB8AC3E}">
-        <p14:creationId xmlns:p14="http://schemas.microsoft.com/office/powerpoint/2010/main" val="1297997306"/>
-      </p:ext>
-    </p:extLst>
-  </p:cSld>
-  <p:clrMapOvr>
-    <a:masterClrMapping/>
-  </p:clrMapOvr>
-</p:sld>
-</file>
-
-<file path=ppt/slides/slide7.xml><?xml version="1.0" encoding="utf-8"?>
-<p:sld xmlns:a="http://schemas.openxmlformats.org/drawingml/2006/main" xmlns:r="http://schemas.openxmlformats.org/officeDocument/2006/relationships" xmlns:p="http://schemas.openxmlformats.org/presentationml/2006/main">
-  <p:cSld>
-    <p:spTree>
-      <p:nvGrpSpPr>
-        <p:cNvPr id="1" name=""/>
-        <p:cNvGrpSpPr/>
-        <p:nvPr/>
-      </p:nvGrpSpPr>
-      <p:grpSpPr>
-        <a:xfrm>
-          <a:off x="0" y="0"/>
-          <a:ext cx="0" cy="0"/>
-          <a:chOff x="0" y="0"/>
-          <a:chExt cx="0" cy="0"/>
-        </a:xfrm>
-      </p:grpSpPr>
-      <p:sp>
-        <p:nvSpPr>
-          <p:cNvPr id="4" name="Title 3"/>
-          <p:cNvSpPr>
-            <a:spLocks noGrp="1"/>
-          </p:cNvSpPr>
-          <p:nvPr>
-            <p:ph type="ctrTitle"/>
-          </p:nvPr>
-        </p:nvSpPr>
-        <p:spPr>
-          <a:xfrm>
-            <a:off x="1352365" y="1317672"/>
-            <a:ext cx="9487270" cy="2387600"/>
-          </a:xfrm>
-        </p:spPr>
-        <p:txBody>
-          <a:bodyPr>
-            <a:normAutofit fontScale="90000"/>
-          </a:bodyPr>
-          <a:lstStyle/>
-          <a:p>
-            <a:r>
-              <a:rPr lang="en-US" dirty="0"/>
-              <a:t>Application Provisioning with DSC</a:t>
-            </a:r>
-            <a:br>
-              <a:rPr lang="en-US" dirty="0"/>
-            </a:br>
-            <a:r>
-              <a:rPr lang="en-US" dirty="0"/>
-              <a:t>and Octopus Deploy</a:t>
-            </a:r>
-          </a:p>
-        </p:txBody>
-      </p:sp>
-      <p:sp>
-        <p:nvSpPr>
-          <p:cNvPr id="3" name="Subtitle 2">
-            <a:extLst>
-              <a:ext uri="{FF2B5EF4-FFF2-40B4-BE49-F238E27FC236}">
-                <a16:creationId xmlns:a16="http://schemas.microsoft.com/office/drawing/2014/main" id="{AFEFCA59-C067-4FE1-8161-3FB78A71DF7A}"/>
-              </a:ext>
-            </a:extLst>
-          </p:cNvPr>
-          <p:cNvSpPr>
-            <a:spLocks noGrp="1"/>
-          </p:cNvSpPr>
-          <p:nvPr>
-            <p:ph type="subTitle" idx="1"/>
-          </p:nvPr>
-        </p:nvSpPr>
-        <p:spPr/>
-        <p:txBody>
-          <a:bodyPr>
-            <a:normAutofit/>
-          </a:bodyPr>
-          <a:lstStyle/>
-          <a:p>
-            <a:r>
-              <a:rPr lang="en-US" sz="2000" i="1" dirty="0"/>
-              <a:t>A world where developers </a:t>
-            </a:r>
-            <a:br>
-              <a:rPr lang="en-US" sz="2000" i="1" dirty="0"/>
-            </a:br>
-            <a:r>
-              <a:rPr lang="en-US" sz="2000" i="1" dirty="0"/>
-              <a:t>manage their configs</a:t>
-            </a:r>
-          </a:p>
-        </p:txBody>
-      </p:sp>
-    </p:spTree>
-    <p:extLst>
-      <p:ext uri="{BB962C8B-B14F-4D97-AF65-F5344CB8AC3E}">
-        <p14:creationId xmlns:p14="http://schemas.microsoft.com/office/powerpoint/2010/main" val="595910384"/>
-      </p:ext>
-    </p:extLst>
-  </p:cSld>
-  <p:clrMapOvr>
-    <a:masterClrMapping/>
-  </p:clrMapOvr>
-</p:sld>
-</file>
-
 <file path=ppt/slides/slide8.xml><?xml version="1.0" encoding="utf-8"?>
 <p:sld xmlns:a="http://schemas.openxmlformats.org/drawingml/2006/main" xmlns:r="http://schemas.openxmlformats.org/officeDocument/2006/relationships" xmlns:p="http://schemas.openxmlformats.org/presentationml/2006/main">
   <p:cSld>
@@ -6976,831 +7123,131 @@
       </p:grpSpPr>
       <p:sp>
         <p:nvSpPr>
-          <p:cNvPr id="5" name="Title 2">
+          <p:cNvPr id="3" name="TextBox 2">
             <a:extLst>
               <a:ext uri="{FF2B5EF4-FFF2-40B4-BE49-F238E27FC236}">
-                <a16:creationId xmlns:a16="http://schemas.microsoft.com/office/drawing/2014/main" id="{85251990-9EE0-46E8-8444-95FD8084722D}"/>
+                <a16:creationId xmlns:a16="http://schemas.microsoft.com/office/drawing/2014/main" id="{D54F3128-D4E3-42CB-AB92-85CCB3BD0753}"/>
               </a:ext>
             </a:extLst>
           </p:cNvPr>
-          <p:cNvSpPr txBox="1">
-            <a:spLocks/>
-          </p:cNvSpPr>
+          <p:cNvSpPr txBox="1"/>
           <p:nvPr/>
         </p:nvSpPr>
         <p:spPr>
           <a:xfrm>
-            <a:off x="4412204" y="1030434"/>
-            <a:ext cx="3728620" cy="1091330"/>
+            <a:off x="682907" y="2025570"/>
+            <a:ext cx="7674015" cy="3139321"/>
           </a:xfrm>
           <a:prstGeom prst="rect">
             <a:avLst/>
           </a:prstGeom>
+          <a:noFill/>
         </p:spPr>
         <p:txBody>
-          <a:bodyPr vert="horz" lIns="91440" tIns="45720" rIns="91440" bIns="45720" rtlCol="0" anchor="ctr">
-            <a:normAutofit/>
+          <a:bodyPr wrap="square" rtlCol="0">
+            <a:spAutoFit/>
           </a:bodyPr>
-          <a:lstStyle>
-            <a:lvl1pPr algn="l" defTabSz="914400" rtl="0" eaLnBrk="1" latinLnBrk="0" hangingPunct="1">
-              <a:lnSpc>
-                <a:spcPct val="90000"/>
-              </a:lnSpc>
-              <a:spcBef>
-                <a:spcPct val="0"/>
-              </a:spcBef>
-              <a:buNone/>
-              <a:defRPr sz="4400" kern="1200">
-                <a:solidFill>
-                  <a:schemeClr val="tx1"/>
-                </a:solidFill>
-                <a:latin typeface="+mj-lt"/>
-                <a:ea typeface="+mj-ea"/>
-                <a:cs typeface="+mj-cs"/>
-              </a:defRPr>
-            </a:lvl1pPr>
-          </a:lstStyle>
-          <a:p>
-            <a:r>
-              <a:rPr lang="en-US" sz="4800" dirty="0"/>
-              <a:t>Why?</a:t>
-            </a:r>
-          </a:p>
-        </p:txBody>
-      </p:sp>
-      <p:sp>
-        <p:nvSpPr>
-          <p:cNvPr id="10" name="Text Placeholder 1">
-            <a:extLst>
-              <a:ext uri="{FF2B5EF4-FFF2-40B4-BE49-F238E27FC236}">
-                <a16:creationId xmlns:a16="http://schemas.microsoft.com/office/drawing/2014/main" id="{0F4E6CAA-C046-40C9-8539-ECCD40AC55FE}"/>
-              </a:ext>
-            </a:extLst>
-          </p:cNvPr>
-          <p:cNvSpPr txBox="1">
-            <a:spLocks/>
-          </p:cNvSpPr>
-          <p:nvPr/>
-        </p:nvSpPr>
-        <p:spPr>
-          <a:xfrm>
-            <a:off x="4412204" y="1832819"/>
-            <a:ext cx="6169978" cy="2833970"/>
-          </a:xfrm>
-          <a:prstGeom prst="rect">
-            <a:avLst/>
-          </a:prstGeom>
-        </p:spPr>
-        <p:txBody>
-          <a:bodyPr vert="horz" lIns="91440" tIns="45720" rIns="91440" bIns="45720" rtlCol="0" anchor="ctr"/>
-          <a:lstStyle>
-            <a:defPPr>
-              <a:defRPr lang="en-US"/>
-            </a:defPPr>
-            <a:lvl1pPr marL="0" algn="l" defTabSz="457200" rtl="0" eaLnBrk="1" latinLnBrk="0" hangingPunct="1">
-              <a:defRPr sz="1200" kern="1200">
-                <a:solidFill>
-                  <a:schemeClr val="tx1">
-                    <a:tint val="75000"/>
-                  </a:schemeClr>
-                </a:solidFill>
-                <a:latin typeface="+mn-lt"/>
-                <a:ea typeface="+mn-ea"/>
-                <a:cs typeface="+mn-cs"/>
-              </a:defRPr>
-            </a:lvl1pPr>
-            <a:lvl2pPr marL="457200" algn="l" defTabSz="457200" rtl="0" eaLnBrk="1" latinLnBrk="0" hangingPunct="1">
-              <a:defRPr sz="1800" kern="1200">
-                <a:solidFill>
-                  <a:schemeClr val="tx1"/>
-                </a:solidFill>
-                <a:latin typeface="+mn-lt"/>
-                <a:ea typeface="+mn-ea"/>
-                <a:cs typeface="+mn-cs"/>
-              </a:defRPr>
-            </a:lvl2pPr>
-            <a:lvl3pPr marL="914400" algn="l" defTabSz="457200" rtl="0" eaLnBrk="1" latinLnBrk="0" hangingPunct="1">
-              <a:defRPr sz="1800" kern="1200">
-                <a:solidFill>
-                  <a:schemeClr val="tx1"/>
-                </a:solidFill>
-                <a:latin typeface="+mn-lt"/>
-                <a:ea typeface="+mn-ea"/>
-                <a:cs typeface="+mn-cs"/>
-              </a:defRPr>
-            </a:lvl3pPr>
-            <a:lvl4pPr marL="1371600" algn="l" defTabSz="457200" rtl="0" eaLnBrk="1" latinLnBrk="0" hangingPunct="1">
-              <a:defRPr sz="1800" kern="1200">
-                <a:solidFill>
-                  <a:schemeClr val="tx1"/>
-                </a:solidFill>
-                <a:latin typeface="+mn-lt"/>
-                <a:ea typeface="+mn-ea"/>
-                <a:cs typeface="+mn-cs"/>
-              </a:defRPr>
-            </a:lvl4pPr>
-            <a:lvl5pPr marL="1828800" algn="l" defTabSz="457200" rtl="0" eaLnBrk="1" latinLnBrk="0" hangingPunct="1">
-              <a:defRPr sz="1800" kern="1200">
-                <a:solidFill>
-                  <a:schemeClr val="tx1"/>
-                </a:solidFill>
-                <a:latin typeface="+mn-lt"/>
-                <a:ea typeface="+mn-ea"/>
-                <a:cs typeface="+mn-cs"/>
-              </a:defRPr>
-            </a:lvl5pPr>
-            <a:lvl6pPr marL="2286000" algn="l" defTabSz="457200" rtl="0" eaLnBrk="1" latinLnBrk="0" hangingPunct="1">
-              <a:defRPr sz="1800" kern="1200">
-                <a:solidFill>
-                  <a:schemeClr val="tx1"/>
-                </a:solidFill>
-                <a:latin typeface="+mn-lt"/>
-                <a:ea typeface="+mn-ea"/>
-                <a:cs typeface="+mn-cs"/>
-              </a:defRPr>
-            </a:lvl6pPr>
-            <a:lvl7pPr marL="2743200" algn="l" defTabSz="457200" rtl="0" eaLnBrk="1" latinLnBrk="0" hangingPunct="1">
-              <a:defRPr sz="1800" kern="1200">
-                <a:solidFill>
-                  <a:schemeClr val="tx1"/>
-                </a:solidFill>
-                <a:latin typeface="+mn-lt"/>
-                <a:ea typeface="+mn-ea"/>
-                <a:cs typeface="+mn-cs"/>
-              </a:defRPr>
-            </a:lvl7pPr>
-            <a:lvl8pPr marL="3200400" algn="l" defTabSz="457200" rtl="0" eaLnBrk="1" latinLnBrk="0" hangingPunct="1">
-              <a:defRPr sz="1800" kern="1200">
-                <a:solidFill>
-                  <a:schemeClr val="tx1"/>
-                </a:solidFill>
-                <a:latin typeface="+mn-lt"/>
-                <a:ea typeface="+mn-ea"/>
-                <a:cs typeface="+mn-cs"/>
-              </a:defRPr>
-            </a:lvl8pPr>
-            <a:lvl9pPr marL="3657600" algn="l" defTabSz="457200" rtl="0" eaLnBrk="1" latinLnBrk="0" hangingPunct="1">
-              <a:defRPr sz="1800" kern="1200">
-                <a:solidFill>
-                  <a:schemeClr val="tx1"/>
-                </a:solidFill>
-                <a:latin typeface="+mn-lt"/>
-                <a:ea typeface="+mn-ea"/>
-                <a:cs typeface="+mn-cs"/>
-              </a:defRPr>
-            </a:lvl9pPr>
-          </a:lstStyle>
-          <a:p>
-            <a:r>
-              <a:rPr lang="en-US" sz="2800" i="1" dirty="0">
-                <a:solidFill>
-                  <a:schemeClr val="tx1"/>
-                </a:solidFill>
+          <a:lstStyle/>
+          <a:p>
+            <a:r>
+              <a:rPr lang="en-US" b="1" dirty="0"/>
+              <a:t>Demo (Code| Files | Slides)</a:t>
+            </a:r>
+          </a:p>
+          <a:p>
+            <a:r>
+              <a:rPr lang="en-US" dirty="0"/>
+              <a:t>	</a:t>
+            </a:r>
+            <a:r>
+              <a:rPr lang="en-US" dirty="0">
+                <a:hlinkClick r:id="rId2"/>
               </a:rPr>
-              <a:t>Inconsistent IIS application provisioning, long lead times, several hand offs, poor communication, almost no visibility</a:t>
-            </a:r>
-          </a:p>
-          <a:p>
-            <a:endParaRPr lang="en-US" sz="2800" i="1" dirty="0">
-              <a:solidFill>
-                <a:schemeClr val="tx1"/>
-              </a:solidFill>
-            </a:endParaRPr>
+              <a:t>https://github.com/Duffney/AppProvisionOctopusDSC</a:t>
+            </a:r>
+            <a:endParaRPr lang="en-US" dirty="0"/>
+          </a:p>
+          <a:p>
+            <a:endParaRPr lang="en-US" dirty="0"/>
+          </a:p>
+          <a:p>
+            <a:r>
+              <a:rPr lang="en-US" b="1" dirty="0"/>
+              <a:t>Blog</a:t>
+            </a:r>
+          </a:p>
+          <a:p>
+            <a:r>
+              <a:rPr lang="en-US" b="1" dirty="0"/>
+              <a:t>	</a:t>
+            </a:r>
+            <a:r>
+              <a:rPr lang="en-US" dirty="0">
+                <a:hlinkClick r:id="rId3"/>
+              </a:rPr>
+              <a:t>http://duffney.io</a:t>
+            </a:r>
+            <a:br>
+              <a:rPr lang="en-US" dirty="0"/>
+            </a:br>
+            <a:br>
+              <a:rPr lang="en-US" dirty="0"/>
+            </a:br>
+            <a:r>
+              <a:rPr lang="en-US" b="1" dirty="0"/>
+              <a:t>Twitter</a:t>
+            </a:r>
+          </a:p>
+          <a:p>
+            <a:r>
+              <a:rPr lang="en-US" b="1" dirty="0"/>
+              <a:t>	</a:t>
+            </a:r>
+            <a:r>
+              <a:rPr lang="en-US" dirty="0"/>
+              <a:t>@</a:t>
+            </a:r>
+            <a:r>
+              <a:rPr lang="en-US" dirty="0" err="1"/>
+              <a:t>joshduffney</a:t>
+            </a:r>
+            <a:endParaRPr lang="en-US" dirty="0"/>
+          </a:p>
+          <a:p>
+            <a:endParaRPr lang="en-US" b="1" dirty="0"/>
+          </a:p>
+          <a:p>
+            <a:r>
+              <a:rPr lang="en-US" b="1" dirty="0" err="1"/>
+              <a:t>Github</a:t>
+            </a:r>
+            <a:endParaRPr lang="en-US" b="1" dirty="0"/>
+          </a:p>
+          <a:p>
+            <a:r>
+              <a:rPr lang="en-US" b="1" dirty="0"/>
+              <a:t>	</a:t>
+            </a:r>
+            <a:r>
+              <a:rPr lang="en-US" dirty="0">
+                <a:hlinkClick r:id="rId4"/>
+              </a:rPr>
+              <a:t>https://github.com/Duffney</a:t>
+            </a:r>
+            <a:endParaRPr lang="en-US" b="1" dirty="0"/>
           </a:p>
         </p:txBody>
       </p:sp>
     </p:spTree>
     <p:extLst>
       <p:ext uri="{BB962C8B-B14F-4D97-AF65-F5344CB8AC3E}">
-        <p14:creationId xmlns:p14="http://schemas.microsoft.com/office/powerpoint/2010/main" val="1348661135"/>
+        <p14:creationId xmlns:p14="http://schemas.microsoft.com/office/powerpoint/2010/main" val="2711495577"/>
       </p:ext>
     </p:extLst>
   </p:cSld>
   <p:clrMapOvr>
     <a:masterClrMapping/>
   </p:clrMapOvr>
-</p:sld>
-</file>
-
-<file path=ppt/slides/slide9.xml><?xml version="1.0" encoding="utf-8"?>
-<p:sld xmlns:a="http://schemas.openxmlformats.org/drawingml/2006/main" xmlns:r="http://schemas.openxmlformats.org/officeDocument/2006/relationships" xmlns:p="http://schemas.openxmlformats.org/presentationml/2006/main">
-  <p:cSld>
-    <p:spTree>
-      <p:nvGrpSpPr>
-        <p:cNvPr id="1" name=""/>
-        <p:cNvGrpSpPr/>
-        <p:nvPr/>
-      </p:nvGrpSpPr>
-      <p:grpSpPr>
-        <a:xfrm>
-          <a:off x="0" y="0"/>
-          <a:ext cx="0" cy="0"/>
-          <a:chOff x="0" y="0"/>
-          <a:chExt cx="0" cy="0"/>
-        </a:xfrm>
-      </p:grpSpPr>
-      <p:sp>
-        <p:nvSpPr>
-          <p:cNvPr id="2" name="Title 1">
-            <a:extLst>
-              <a:ext uri="{FF2B5EF4-FFF2-40B4-BE49-F238E27FC236}">
-                <a16:creationId xmlns:a16="http://schemas.microsoft.com/office/drawing/2014/main" id="{60F35BF6-C0E6-4922-85F0-7649B5EC8763}"/>
-              </a:ext>
-            </a:extLst>
-          </p:cNvPr>
-          <p:cNvSpPr>
-            <a:spLocks noGrp="1"/>
-          </p:cNvSpPr>
-          <p:nvPr>
-            <p:ph type="title"/>
-          </p:nvPr>
-        </p:nvSpPr>
-        <p:spPr>
-          <a:xfrm>
-            <a:off x="4151159" y="657218"/>
-            <a:ext cx="7913594" cy="1325563"/>
-          </a:xfrm>
-        </p:spPr>
-        <p:txBody>
-          <a:bodyPr/>
-          <a:lstStyle/>
-          <a:p>
-            <a:r>
-              <a:rPr lang="en-US" sz="4800" dirty="0"/>
-              <a:t>Options</a:t>
-            </a:r>
-            <a:endParaRPr lang="en-US" dirty="0"/>
-          </a:p>
-        </p:txBody>
-      </p:sp>
-      <p:sp>
-        <p:nvSpPr>
-          <p:cNvPr id="3" name="Text Placeholder 2">
-            <a:extLst>
-              <a:ext uri="{FF2B5EF4-FFF2-40B4-BE49-F238E27FC236}">
-                <a16:creationId xmlns:a16="http://schemas.microsoft.com/office/drawing/2014/main" id="{9B241160-F4E2-4472-ACF2-EF911EBCC1FF}"/>
-              </a:ext>
-            </a:extLst>
-          </p:cNvPr>
-          <p:cNvSpPr>
-            <a:spLocks noGrp="1"/>
-          </p:cNvSpPr>
-          <p:nvPr>
-            <p:ph type="body" idx="1"/>
-          </p:nvPr>
-        </p:nvSpPr>
-        <p:spPr>
-          <a:xfrm>
-            <a:off x="4313176" y="1551837"/>
-            <a:ext cx="3536903" cy="823912"/>
-          </a:xfrm>
-        </p:spPr>
-        <p:txBody>
-          <a:bodyPr>
-            <a:normAutofit/>
-          </a:bodyPr>
-          <a:lstStyle/>
-          <a:p>
-            <a:r>
-              <a:rPr lang="en-US" sz="2800" dirty="0"/>
-              <a:t>We Do It</a:t>
-            </a:r>
-          </a:p>
-        </p:txBody>
-      </p:sp>
-      <p:sp>
-        <p:nvSpPr>
-          <p:cNvPr id="4" name="Content Placeholder 3">
-            <a:extLst>
-              <a:ext uri="{FF2B5EF4-FFF2-40B4-BE49-F238E27FC236}">
-                <a16:creationId xmlns:a16="http://schemas.microsoft.com/office/drawing/2014/main" id="{5DAE41F3-3AC7-48B1-A6C1-F5B0010C570D}"/>
-              </a:ext>
-            </a:extLst>
-          </p:cNvPr>
-          <p:cNvSpPr>
-            <a:spLocks noGrp="1"/>
-          </p:cNvSpPr>
-          <p:nvPr>
-            <p:ph sz="half" idx="2"/>
-          </p:nvPr>
-        </p:nvSpPr>
-        <p:spPr>
-          <a:xfrm>
-            <a:off x="4313177" y="2375749"/>
-            <a:ext cx="3403738" cy="3684588"/>
-          </a:xfrm>
-        </p:spPr>
-        <p:txBody>
-          <a:bodyPr>
-            <a:normAutofit/>
-          </a:bodyPr>
-          <a:lstStyle/>
-          <a:p>
-            <a:r>
-              <a:rPr lang="en-US" sz="2400" dirty="0"/>
-              <a:t>Become a Bottleneck</a:t>
-            </a:r>
-          </a:p>
-          <a:p>
-            <a:r>
-              <a:rPr lang="en-US" sz="2400" dirty="0"/>
-              <a:t>Reactive</a:t>
-            </a:r>
-          </a:p>
-          <a:p>
-            <a:r>
-              <a:rPr lang="en-US" sz="2400" dirty="0"/>
-              <a:t>Increased workload</a:t>
-            </a:r>
-          </a:p>
-          <a:p>
-            <a:r>
-              <a:rPr lang="en-US" sz="2400" dirty="0"/>
-              <a:t>Wasn’t working</a:t>
-            </a:r>
-          </a:p>
-        </p:txBody>
-      </p:sp>
-      <p:sp>
-        <p:nvSpPr>
-          <p:cNvPr id="5" name="Text Placeholder 4">
-            <a:extLst>
-              <a:ext uri="{FF2B5EF4-FFF2-40B4-BE49-F238E27FC236}">
-                <a16:creationId xmlns:a16="http://schemas.microsoft.com/office/drawing/2014/main" id="{B9D9F233-CA12-4C32-A4AC-B96EAA1018EC}"/>
-              </a:ext>
-            </a:extLst>
-          </p:cNvPr>
-          <p:cNvSpPr>
-            <a:spLocks noGrp="1"/>
-          </p:cNvSpPr>
-          <p:nvPr>
-            <p:ph type="body" sz="quarter" idx="3"/>
-          </p:nvPr>
-        </p:nvSpPr>
-        <p:spPr>
-          <a:xfrm>
-            <a:off x="7850079" y="1548554"/>
-            <a:ext cx="3673136" cy="823912"/>
-          </a:xfrm>
-        </p:spPr>
-        <p:txBody>
-          <a:bodyPr>
-            <a:normAutofit/>
-          </a:bodyPr>
-          <a:lstStyle/>
-          <a:p>
-            <a:r>
-              <a:rPr lang="en-US" sz="2800" dirty="0"/>
-              <a:t>They Do It</a:t>
-            </a:r>
-          </a:p>
-        </p:txBody>
-      </p:sp>
-      <p:sp>
-        <p:nvSpPr>
-          <p:cNvPr id="6" name="Content Placeholder 5">
-            <a:extLst>
-              <a:ext uri="{FF2B5EF4-FFF2-40B4-BE49-F238E27FC236}">
-                <a16:creationId xmlns:a16="http://schemas.microsoft.com/office/drawing/2014/main" id="{45BB97B1-40F8-4686-A652-7C8964019556}"/>
-              </a:ext>
-            </a:extLst>
-          </p:cNvPr>
-          <p:cNvSpPr>
-            <a:spLocks noGrp="1"/>
-          </p:cNvSpPr>
-          <p:nvPr>
-            <p:ph sz="quarter" idx="4"/>
-          </p:nvPr>
-        </p:nvSpPr>
-        <p:spPr>
-          <a:xfrm>
-            <a:off x="7850079" y="2372466"/>
-            <a:ext cx="3673136" cy="3684588"/>
-          </a:xfrm>
-        </p:spPr>
-        <p:txBody>
-          <a:bodyPr>
-            <a:normAutofit/>
-          </a:bodyPr>
-          <a:lstStyle/>
-          <a:p>
-            <a:r>
-              <a:rPr lang="en-US" sz="2400" dirty="0"/>
-              <a:t>Self-Service</a:t>
-            </a:r>
-          </a:p>
-          <a:p>
-            <a:r>
-              <a:rPr lang="en-US" sz="2400" dirty="0"/>
-              <a:t>Delegated Ownership</a:t>
-            </a:r>
-          </a:p>
-          <a:p>
-            <a:r>
-              <a:rPr lang="en-US" sz="2400" dirty="0"/>
-              <a:t>Decreased workload</a:t>
-            </a:r>
-          </a:p>
-          <a:p>
-            <a:r>
-              <a:rPr lang="en-US" sz="2400" dirty="0"/>
-              <a:t>Might work?</a:t>
-            </a:r>
-          </a:p>
-        </p:txBody>
-      </p:sp>
-    </p:spTree>
-    <p:extLst>
-      <p:ext uri="{BB962C8B-B14F-4D97-AF65-F5344CB8AC3E}">
-        <p14:creationId xmlns:p14="http://schemas.microsoft.com/office/powerpoint/2010/main" val="2080548761"/>
-      </p:ext>
-    </p:extLst>
-  </p:cSld>
-  <p:clrMapOvr>
-    <a:masterClrMapping/>
-  </p:clrMapOvr>
-  <p:timing>
-    <p:tnLst>
-      <p:par>
-        <p:cTn id="1" dur="indefinite" restart="never" nodeType="tmRoot">
-          <p:childTnLst>
-            <p:seq concurrent="1" nextAc="seek">
-              <p:cTn id="2" dur="indefinite" nodeType="mainSeq">
-                <p:childTnLst>
-                  <p:par>
-                    <p:cTn id="3" fill="hold">
-                      <p:stCondLst>
-                        <p:cond delay="indefinite"/>
-                      </p:stCondLst>
-                      <p:childTnLst>
-                        <p:par>
-                          <p:cTn id="4" fill="hold">
-                            <p:stCondLst>
-                              <p:cond delay="0"/>
-                            </p:stCondLst>
-                            <p:childTnLst>
-                              <p:par>
-                                <p:cTn id="5" presetID="1" presetClass="entr" presetSubtype="0" fill="hold" grpId="0" nodeType="clickEffect">
-                                  <p:stCondLst>
-                                    <p:cond delay="0"/>
-                                  </p:stCondLst>
-                                  <p:childTnLst>
-                                    <p:set>
-                                      <p:cBhvr>
-                                        <p:cTn id="6" dur="1" fill="hold">
-                                          <p:stCondLst>
-                                            <p:cond delay="0"/>
-                                          </p:stCondLst>
-                                        </p:cTn>
-                                        <p:tgtEl>
-                                          <p:spTgt spid="3">
-                                            <p:txEl>
-                                              <p:pRg st="0" end="0"/>
-                                            </p:txEl>
-                                          </p:spTgt>
-                                        </p:tgtEl>
-                                        <p:attrNameLst>
-                                          <p:attrName>style.visibility</p:attrName>
-                                        </p:attrNameLst>
-                                      </p:cBhvr>
-                                      <p:to>
-                                        <p:strVal val="visible"/>
-                                      </p:to>
-                                    </p:set>
-                                  </p:childTnLst>
-                                </p:cTn>
-                              </p:par>
-                              <p:par>
-                                <p:cTn id="7" presetID="1" presetClass="entr" presetSubtype="0" fill="hold" grpId="0" nodeType="withEffect">
-                                  <p:stCondLst>
-                                    <p:cond delay="0"/>
-                                  </p:stCondLst>
-                                  <p:childTnLst>
-                                    <p:set>
-                                      <p:cBhvr>
-                                        <p:cTn id="8" dur="1" fill="hold">
-                                          <p:stCondLst>
-                                            <p:cond delay="0"/>
-                                          </p:stCondLst>
-                                        </p:cTn>
-                                        <p:tgtEl>
-                                          <p:spTgt spid="4">
-                                            <p:txEl>
-                                              <p:pRg st="0" end="0"/>
-                                            </p:txEl>
-                                          </p:spTgt>
-                                        </p:tgtEl>
-                                        <p:attrNameLst>
-                                          <p:attrName>style.visibility</p:attrName>
-                                        </p:attrNameLst>
-                                      </p:cBhvr>
-                                      <p:to>
-                                        <p:strVal val="visible"/>
-                                      </p:to>
-                                    </p:set>
-                                  </p:childTnLst>
-                                </p:cTn>
-                              </p:par>
-                              <p:par>
-                                <p:cTn id="9" presetID="1" presetClass="entr" presetSubtype="0" fill="hold" grpId="0" nodeType="withEffect">
-                                  <p:stCondLst>
-                                    <p:cond delay="0"/>
-                                  </p:stCondLst>
-                                  <p:childTnLst>
-                                    <p:set>
-                                      <p:cBhvr>
-                                        <p:cTn id="10" dur="1" fill="hold">
-                                          <p:stCondLst>
-                                            <p:cond delay="0"/>
-                                          </p:stCondLst>
-                                        </p:cTn>
-                                        <p:tgtEl>
-                                          <p:spTgt spid="4">
-                                            <p:txEl>
-                                              <p:pRg st="1" end="1"/>
-                                            </p:txEl>
-                                          </p:spTgt>
-                                        </p:tgtEl>
-                                        <p:attrNameLst>
-                                          <p:attrName>style.visibility</p:attrName>
-                                        </p:attrNameLst>
-                                      </p:cBhvr>
-                                      <p:to>
-                                        <p:strVal val="visible"/>
-                                      </p:to>
-                                    </p:set>
-                                  </p:childTnLst>
-                                </p:cTn>
-                              </p:par>
-                              <p:par>
-                                <p:cTn id="11" presetID="1" presetClass="entr" presetSubtype="0" fill="hold" grpId="0" nodeType="withEffect">
-                                  <p:stCondLst>
-                                    <p:cond delay="0"/>
-                                  </p:stCondLst>
-                                  <p:childTnLst>
-                                    <p:set>
-                                      <p:cBhvr>
-                                        <p:cTn id="12" dur="1" fill="hold">
-                                          <p:stCondLst>
-                                            <p:cond delay="0"/>
-                                          </p:stCondLst>
-                                        </p:cTn>
-                                        <p:tgtEl>
-                                          <p:spTgt spid="4">
-                                            <p:txEl>
-                                              <p:pRg st="2" end="2"/>
-                                            </p:txEl>
-                                          </p:spTgt>
-                                        </p:tgtEl>
-                                        <p:attrNameLst>
-                                          <p:attrName>style.visibility</p:attrName>
-                                        </p:attrNameLst>
-                                      </p:cBhvr>
-                                      <p:to>
-                                        <p:strVal val="visible"/>
-                                      </p:to>
-                                    </p:set>
-                                  </p:childTnLst>
-                                </p:cTn>
-                              </p:par>
-                              <p:par>
-                                <p:cTn id="13" presetID="1" presetClass="entr" presetSubtype="0" fill="hold" grpId="0" nodeType="withEffect">
-                                  <p:stCondLst>
-                                    <p:cond delay="0"/>
-                                  </p:stCondLst>
-                                  <p:childTnLst>
-                                    <p:set>
-                                      <p:cBhvr>
-                                        <p:cTn id="14" dur="1" fill="hold">
-                                          <p:stCondLst>
-                                            <p:cond delay="0"/>
-                                          </p:stCondLst>
-                                        </p:cTn>
-                                        <p:tgtEl>
-                                          <p:spTgt spid="4">
-                                            <p:txEl>
-                                              <p:pRg st="3" end="3"/>
-                                            </p:txEl>
-                                          </p:spTgt>
-                                        </p:tgtEl>
-                                        <p:attrNameLst>
-                                          <p:attrName>style.visibility</p:attrName>
-                                        </p:attrNameLst>
-                                      </p:cBhvr>
-                                      <p:to>
-                                        <p:strVal val="visible"/>
-                                      </p:to>
-                                    </p:set>
-                                  </p:childTnLst>
-                                </p:cTn>
-                              </p:par>
-                            </p:childTnLst>
-                          </p:cTn>
-                        </p:par>
-                      </p:childTnLst>
-                    </p:cTn>
-                  </p:par>
-                  <p:par>
-                    <p:cTn id="15" fill="hold">
-                      <p:stCondLst>
-                        <p:cond delay="indefinite"/>
-                      </p:stCondLst>
-                      <p:childTnLst>
-                        <p:par>
-                          <p:cTn id="16" fill="hold">
-                            <p:stCondLst>
-                              <p:cond delay="0"/>
-                            </p:stCondLst>
-                            <p:childTnLst>
-                              <p:par>
-                                <p:cTn id="17" presetID="1" presetClass="entr" presetSubtype="0" fill="hold" grpId="0" nodeType="clickEffect">
-                                  <p:stCondLst>
-                                    <p:cond delay="0"/>
-                                  </p:stCondLst>
-                                  <p:childTnLst>
-                                    <p:set>
-                                      <p:cBhvr>
-                                        <p:cTn id="18" dur="1" fill="hold">
-                                          <p:stCondLst>
-                                            <p:cond delay="0"/>
-                                          </p:stCondLst>
-                                        </p:cTn>
-                                        <p:tgtEl>
-                                          <p:spTgt spid="5">
-                                            <p:txEl>
-                                              <p:pRg st="0" end="0"/>
-                                            </p:txEl>
-                                          </p:spTgt>
-                                        </p:tgtEl>
-                                        <p:attrNameLst>
-                                          <p:attrName>style.visibility</p:attrName>
-                                        </p:attrNameLst>
-                                      </p:cBhvr>
-                                      <p:to>
-                                        <p:strVal val="visible"/>
-                                      </p:to>
-                                    </p:set>
-                                  </p:childTnLst>
-                                </p:cTn>
-                              </p:par>
-                              <p:par>
-                                <p:cTn id="19" presetID="1" presetClass="entr" presetSubtype="0" fill="hold" grpId="0" nodeType="withEffect">
-                                  <p:stCondLst>
-                                    <p:cond delay="0"/>
-                                  </p:stCondLst>
-                                  <p:childTnLst>
-                                    <p:set>
-                                      <p:cBhvr>
-                                        <p:cTn id="20" dur="1" fill="hold">
-                                          <p:stCondLst>
-                                            <p:cond delay="0"/>
-                                          </p:stCondLst>
-                                        </p:cTn>
-                                        <p:tgtEl>
-                                          <p:spTgt spid="6">
-                                            <p:txEl>
-                                              <p:pRg st="0" end="0"/>
-                                            </p:txEl>
-                                          </p:spTgt>
-                                        </p:tgtEl>
-                                        <p:attrNameLst>
-                                          <p:attrName>style.visibility</p:attrName>
-                                        </p:attrNameLst>
-                                      </p:cBhvr>
-                                      <p:to>
-                                        <p:strVal val="visible"/>
-                                      </p:to>
-                                    </p:set>
-                                  </p:childTnLst>
-                                </p:cTn>
-                              </p:par>
-                              <p:par>
-                                <p:cTn id="21" presetID="1" presetClass="entr" presetSubtype="0" fill="hold" grpId="0" nodeType="withEffect">
-                                  <p:stCondLst>
-                                    <p:cond delay="0"/>
-                                  </p:stCondLst>
-                                  <p:childTnLst>
-                                    <p:set>
-                                      <p:cBhvr>
-                                        <p:cTn id="22" dur="1" fill="hold">
-                                          <p:stCondLst>
-                                            <p:cond delay="0"/>
-                                          </p:stCondLst>
-                                        </p:cTn>
-                                        <p:tgtEl>
-                                          <p:spTgt spid="6">
-                                            <p:txEl>
-                                              <p:pRg st="1" end="1"/>
-                                            </p:txEl>
-                                          </p:spTgt>
-                                        </p:tgtEl>
-                                        <p:attrNameLst>
-                                          <p:attrName>style.visibility</p:attrName>
-                                        </p:attrNameLst>
-                                      </p:cBhvr>
-                                      <p:to>
-                                        <p:strVal val="visible"/>
-                                      </p:to>
-                                    </p:set>
-                                  </p:childTnLst>
-                                </p:cTn>
-                              </p:par>
-                              <p:par>
-                                <p:cTn id="23" presetID="1" presetClass="entr" presetSubtype="0" fill="hold" grpId="0" nodeType="withEffect">
-                                  <p:stCondLst>
-                                    <p:cond delay="0"/>
-                                  </p:stCondLst>
-                                  <p:childTnLst>
-                                    <p:set>
-                                      <p:cBhvr>
-                                        <p:cTn id="24" dur="1" fill="hold">
-                                          <p:stCondLst>
-                                            <p:cond delay="0"/>
-                                          </p:stCondLst>
-                                        </p:cTn>
-                                        <p:tgtEl>
-                                          <p:spTgt spid="6">
-                                            <p:txEl>
-                                              <p:pRg st="2" end="2"/>
-                                            </p:txEl>
-                                          </p:spTgt>
-                                        </p:tgtEl>
-                                        <p:attrNameLst>
-                                          <p:attrName>style.visibility</p:attrName>
-                                        </p:attrNameLst>
-                                      </p:cBhvr>
-                                      <p:to>
-                                        <p:strVal val="visible"/>
-                                      </p:to>
-                                    </p:set>
-                                  </p:childTnLst>
-                                </p:cTn>
-                              </p:par>
-                              <p:par>
-                                <p:cTn id="25" presetID="1" presetClass="entr" presetSubtype="0" fill="hold" grpId="0" nodeType="withEffect">
-                                  <p:stCondLst>
-                                    <p:cond delay="0"/>
-                                  </p:stCondLst>
-                                  <p:childTnLst>
-                                    <p:set>
-                                      <p:cBhvr>
-                                        <p:cTn id="26" dur="1" fill="hold">
-                                          <p:stCondLst>
-                                            <p:cond delay="0"/>
-                                          </p:stCondLst>
-                                        </p:cTn>
-                                        <p:tgtEl>
-                                          <p:spTgt spid="6">
-                                            <p:txEl>
-                                              <p:pRg st="3" end="3"/>
-                                            </p:txEl>
-                                          </p:spTgt>
-                                        </p:tgtEl>
-                                        <p:attrNameLst>
-                                          <p:attrName>style.visibility</p:attrName>
-                                        </p:attrNameLst>
-                                      </p:cBhvr>
-                                      <p:to>
-                                        <p:strVal val="visible"/>
-                                      </p:to>
-                                    </p:set>
-                                  </p:childTnLst>
-                                </p:cTn>
-                              </p:par>
-                            </p:childTnLst>
-                          </p:cTn>
-                        </p:par>
-                      </p:childTnLst>
-                    </p:cTn>
-                  </p:par>
-                </p:childTnLst>
-              </p:cTn>
-              <p:prevCondLst>
-                <p:cond evt="onPrev" delay="0">
-                  <p:tgtEl>
-                    <p:sldTgt/>
-                  </p:tgtEl>
-                </p:cond>
-              </p:prevCondLst>
-              <p:nextCondLst>
-                <p:cond evt="onNext" delay="0">
-                  <p:tgtEl>
-                    <p:sldTgt/>
-                  </p:tgtEl>
-                </p:cond>
-              </p:nextCondLst>
-            </p:seq>
-          </p:childTnLst>
-        </p:cTn>
-      </p:par>
-    </p:tnLst>
-    <p:bldLst>
-      <p:bldP spid="3" grpId="0" build="p"/>
-      <p:bldP spid="4" grpId="0" uiExpand="1" build="p"/>
-      <p:bldP spid="5" grpId="0" build="p"/>
-      <p:bldP spid="6" grpId="0" uiExpand="1" build="p"/>
-    </p:bldLst>
-  </p:timing>
 </p:sld>
 </file>
 
